--- a/java/Ryhmä 9 - Lämpötilaseuranta v5.pptx
+++ b/java/Ryhmä 9 - Lämpötilaseuranta v5.pptx
@@ -222,7 +222,7 @@
           <a:p>
             <a:fld id="{B7584FA8-6991-450F-A0BA-FF09BEC0681A}" type="datetimeFigureOut">
               <a:rPr lang="en-US" smtClean="0"/>
-              <a:t>3/1/2018</a:t>
+              <a:t>3/6/2018</a:t>
             </a:fld>
             <a:endParaRPr lang="en-US"/>
           </a:p>
@@ -711,7 +711,7 @@
           <a:noFill/>
           <a:extLst>
             <a:ext uri="{909E8E84-426E-40dd-AFC4-6F175D3DCCD1}">
-              <a14:hiddenFill xmlns="" xmlns:a14="http://schemas.microsoft.com/office/drawing/2010/main">
+              <a14:hiddenFill xmlns:a14="http://schemas.microsoft.com/office/drawing/2010/main" xmlns="">
                 <a:solidFill>
                   <a:srgbClr val="FFFFFF"/>
                 </a:solidFill>
@@ -771,7 +771,7 @@
             </a:ln>
             <a:extLst>
               <a:ext uri="{91240B29-F687-4f45-9708-019B960494DF}">
-                <a14:hiddenLine xmlns="" xmlns:a14="http://schemas.microsoft.com/office/drawing/2010/main" w="9525">
+                <a14:hiddenLine xmlns:a14="http://schemas.microsoft.com/office/drawing/2010/main" xmlns="" w="9525">
                   <a:solidFill>
                     <a:srgbClr val="000000"/>
                   </a:solidFill>
@@ -861,7 +861,7 @@
             </a:ln>
             <a:extLst>
               <a:ext uri="{91240B29-F687-4f45-9708-019B960494DF}">
-                <a14:hiddenLine xmlns="" xmlns:a14="http://schemas.microsoft.com/office/drawing/2010/main" w="9525">
+                <a14:hiddenLine xmlns:a14="http://schemas.microsoft.com/office/drawing/2010/main" xmlns="" w="9525">
                   <a:solidFill>
                     <a:srgbClr val="000000"/>
                   </a:solidFill>
@@ -951,7 +951,7 @@
             </a:ln>
             <a:extLst>
               <a:ext uri="{91240B29-F687-4f45-9708-019B960494DF}">
-                <a14:hiddenLine xmlns="" xmlns:a14="http://schemas.microsoft.com/office/drawing/2010/main" w="9525">
+                <a14:hiddenLine xmlns:a14="http://schemas.microsoft.com/office/drawing/2010/main" xmlns="" w="9525">
                   <a:solidFill>
                     <a:srgbClr val="000000"/>
                   </a:solidFill>
@@ -985,7 +985,7 @@
             </a:ln>
             <a:extLst>
               <a:ext uri="{91240B29-F687-4f45-9708-019B960494DF}">
-                <a14:hiddenLine xmlns="" xmlns:a14="http://schemas.microsoft.com/office/drawing/2010/main" w="9525">
+                <a14:hiddenLine xmlns:a14="http://schemas.microsoft.com/office/drawing/2010/main" xmlns="" w="9525">
                   <a:solidFill>
                     <a:srgbClr val="000000"/>
                   </a:solidFill>
@@ -1075,7 +1075,7 @@
             </a:ln>
             <a:extLst>
               <a:ext uri="{91240B29-F687-4f45-9708-019B960494DF}">
-                <a14:hiddenLine xmlns="" xmlns:a14="http://schemas.microsoft.com/office/drawing/2010/main" w="9525">
+                <a14:hiddenLine xmlns:a14="http://schemas.microsoft.com/office/drawing/2010/main" xmlns="" w="9525">
                   <a:solidFill>
                     <a:srgbClr val="000000"/>
                   </a:solidFill>
@@ -1137,7 +1137,7 @@
             </a:ln>
             <a:extLst>
               <a:ext uri="{91240B29-F687-4f45-9708-019B960494DF}">
-                <a14:hiddenLine xmlns="" xmlns:a14="http://schemas.microsoft.com/office/drawing/2010/main" w="9525">
+                <a14:hiddenLine xmlns:a14="http://schemas.microsoft.com/office/drawing/2010/main" xmlns="" w="9525">
                   <a:solidFill>
                     <a:srgbClr val="000000"/>
                   </a:solidFill>
@@ -1199,7 +1199,7 @@
             </a:ln>
             <a:extLst>
               <a:ext uri="{91240B29-F687-4f45-9708-019B960494DF}">
-                <a14:hiddenLine xmlns="" xmlns:a14="http://schemas.microsoft.com/office/drawing/2010/main" w="9525">
+                <a14:hiddenLine xmlns:a14="http://schemas.microsoft.com/office/drawing/2010/main" xmlns="" w="9525">
                   <a:solidFill>
                     <a:srgbClr val="000000"/>
                   </a:solidFill>
@@ -1289,7 +1289,7 @@
             </a:ln>
             <a:extLst>
               <a:ext uri="{91240B29-F687-4f45-9708-019B960494DF}">
-                <a14:hiddenLine xmlns="" xmlns:a14="http://schemas.microsoft.com/office/drawing/2010/main" w="9525">
+                <a14:hiddenLine xmlns:a14="http://schemas.microsoft.com/office/drawing/2010/main" xmlns="" w="9525">
                   <a:solidFill>
                     <a:srgbClr val="000000"/>
                   </a:solidFill>
@@ -1351,7 +1351,7 @@
             </a:ln>
             <a:extLst>
               <a:ext uri="{91240B29-F687-4f45-9708-019B960494DF}">
-                <a14:hiddenLine xmlns="" xmlns:a14="http://schemas.microsoft.com/office/drawing/2010/main" w="9525">
+                <a14:hiddenLine xmlns:a14="http://schemas.microsoft.com/office/drawing/2010/main" xmlns="" w="9525">
                   <a:solidFill>
                     <a:srgbClr val="000000"/>
                   </a:solidFill>
@@ -1413,7 +1413,7 @@
             </a:ln>
             <a:extLst>
               <a:ext uri="{91240B29-F687-4f45-9708-019B960494DF}">
-                <a14:hiddenLine xmlns="" xmlns:a14="http://schemas.microsoft.com/office/drawing/2010/main" w="9525">
+                <a14:hiddenLine xmlns:a14="http://schemas.microsoft.com/office/drawing/2010/main" xmlns="" w="9525">
                   <a:solidFill>
                     <a:srgbClr val="000000"/>
                   </a:solidFill>
@@ -1503,7 +1503,7 @@
             </a:ln>
             <a:extLst>
               <a:ext uri="{91240B29-F687-4f45-9708-019B960494DF}">
-                <a14:hiddenLine xmlns="" xmlns:a14="http://schemas.microsoft.com/office/drawing/2010/main" w="9525">
+                <a14:hiddenLine xmlns:a14="http://schemas.microsoft.com/office/drawing/2010/main" xmlns="" w="9525">
                   <a:solidFill>
                     <a:srgbClr val="000000"/>
                   </a:solidFill>
@@ -1593,7 +1593,7 @@
             </a:ln>
             <a:extLst>
               <a:ext uri="{91240B29-F687-4f45-9708-019B960494DF}">
-                <a14:hiddenLine xmlns="" xmlns:a14="http://schemas.microsoft.com/office/drawing/2010/main" w="9525">
+                <a14:hiddenLine xmlns:a14="http://schemas.microsoft.com/office/drawing/2010/main" xmlns="" w="9525">
                   <a:solidFill>
                     <a:srgbClr val="000000"/>
                   </a:solidFill>
@@ -1655,7 +1655,7 @@
             </a:ln>
             <a:extLst>
               <a:ext uri="{91240B29-F687-4f45-9708-019B960494DF}">
-                <a14:hiddenLine xmlns="" xmlns:a14="http://schemas.microsoft.com/office/drawing/2010/main" w="9525">
+                <a14:hiddenLine xmlns:a14="http://schemas.microsoft.com/office/drawing/2010/main" xmlns="" w="9525">
                   <a:solidFill>
                     <a:srgbClr val="000000"/>
                   </a:solidFill>
@@ -1765,7 +1765,7 @@
             </a:ln>
             <a:extLst>
               <a:ext uri="{91240B29-F687-4f45-9708-019B960494DF}">
-                <a14:hiddenLine xmlns="" xmlns:a14="http://schemas.microsoft.com/office/drawing/2010/main" w="9525">
+                <a14:hiddenLine xmlns:a14="http://schemas.microsoft.com/office/drawing/2010/main" xmlns="" w="9525">
                   <a:solidFill>
                     <a:srgbClr val="000000"/>
                   </a:solidFill>
@@ -1827,7 +1827,7 @@
             </a:ln>
             <a:extLst>
               <a:ext uri="{91240B29-F687-4f45-9708-019B960494DF}">
-                <a14:hiddenLine xmlns="" xmlns:a14="http://schemas.microsoft.com/office/drawing/2010/main" w="9525">
+                <a14:hiddenLine xmlns:a14="http://schemas.microsoft.com/office/drawing/2010/main" xmlns="" w="9525">
                   <a:solidFill>
                     <a:srgbClr val="000000"/>
                   </a:solidFill>
@@ -1917,7 +1917,7 @@
             </a:ln>
             <a:extLst>
               <a:ext uri="{91240B29-F687-4f45-9708-019B960494DF}">
-                <a14:hiddenLine xmlns="" xmlns:a14="http://schemas.microsoft.com/office/drawing/2010/main" w="9525">
+                <a14:hiddenLine xmlns:a14="http://schemas.microsoft.com/office/drawing/2010/main" xmlns="" w="9525">
                   <a:solidFill>
                     <a:srgbClr val="000000"/>
                   </a:solidFill>
@@ -2007,7 +2007,7 @@
             </a:ln>
             <a:extLst>
               <a:ext uri="{91240B29-F687-4f45-9708-019B960494DF}">
-                <a14:hiddenLine xmlns="" xmlns:a14="http://schemas.microsoft.com/office/drawing/2010/main" w="9525">
+                <a14:hiddenLine xmlns:a14="http://schemas.microsoft.com/office/drawing/2010/main" xmlns="" w="9525">
                   <a:solidFill>
                     <a:srgbClr val="000000"/>
                   </a:solidFill>
@@ -2069,7 +2069,7 @@
             </a:ln>
             <a:extLst>
               <a:ext uri="{91240B29-F687-4f45-9708-019B960494DF}">
-                <a14:hiddenLine xmlns="" xmlns:a14="http://schemas.microsoft.com/office/drawing/2010/main" w="9525">
+                <a14:hiddenLine xmlns:a14="http://schemas.microsoft.com/office/drawing/2010/main" xmlns="" w="9525">
                   <a:solidFill>
                     <a:srgbClr val="000000"/>
                   </a:solidFill>
@@ -2159,7 +2159,7 @@
             </a:ln>
             <a:extLst>
               <a:ext uri="{91240B29-F687-4f45-9708-019B960494DF}">
-                <a14:hiddenLine xmlns="" xmlns:a14="http://schemas.microsoft.com/office/drawing/2010/main" w="9525">
+                <a14:hiddenLine xmlns:a14="http://schemas.microsoft.com/office/drawing/2010/main" xmlns="" w="9525">
                   <a:solidFill>
                     <a:srgbClr val="000000"/>
                   </a:solidFill>
@@ -2249,7 +2249,7 @@
             </a:ln>
             <a:extLst>
               <a:ext uri="{91240B29-F687-4f45-9708-019B960494DF}">
-                <a14:hiddenLine xmlns="" xmlns:a14="http://schemas.microsoft.com/office/drawing/2010/main" w="9525">
+                <a14:hiddenLine xmlns:a14="http://schemas.microsoft.com/office/drawing/2010/main" xmlns="" w="9525">
                   <a:solidFill>
                     <a:srgbClr val="000000"/>
                   </a:solidFill>
@@ -2305,7 +2305,7 @@
             </a:ln>
             <a:extLst>
               <a:ext uri="{91240B29-F687-4f45-9708-019B960494DF}">
-                <a14:hiddenLine xmlns="" xmlns:a14="http://schemas.microsoft.com/office/drawing/2010/main" w="9525">
+                <a14:hiddenLine xmlns:a14="http://schemas.microsoft.com/office/drawing/2010/main" xmlns="" w="9525">
                   <a:solidFill>
                     <a:srgbClr val="000000"/>
                   </a:solidFill>
@@ -2395,7 +2395,7 @@
             </a:ln>
             <a:extLst>
               <a:ext uri="{91240B29-F687-4f45-9708-019B960494DF}">
-                <a14:hiddenLine xmlns="" xmlns:a14="http://schemas.microsoft.com/office/drawing/2010/main" w="9525">
+                <a14:hiddenLine xmlns:a14="http://schemas.microsoft.com/office/drawing/2010/main" xmlns="" w="9525">
                   <a:solidFill>
                     <a:srgbClr val="000000"/>
                   </a:solidFill>
@@ -2451,7 +2451,7 @@
             </a:ln>
             <a:extLst>
               <a:ext uri="{91240B29-F687-4f45-9708-019B960494DF}">
-                <a14:hiddenLine xmlns="" xmlns:a14="http://schemas.microsoft.com/office/drawing/2010/main" w="9525">
+                <a14:hiddenLine xmlns:a14="http://schemas.microsoft.com/office/drawing/2010/main" xmlns="" w="9525">
                   <a:solidFill>
                     <a:srgbClr val="000000"/>
                   </a:solidFill>
@@ -2541,7 +2541,7 @@
             </a:ln>
             <a:extLst>
               <a:ext uri="{91240B29-F687-4f45-9708-019B960494DF}">
-                <a14:hiddenLine xmlns="" xmlns:a14="http://schemas.microsoft.com/office/drawing/2010/main" w="9525">
+                <a14:hiddenLine xmlns:a14="http://schemas.microsoft.com/office/drawing/2010/main" xmlns="" w="9525">
                   <a:solidFill>
                     <a:srgbClr val="000000"/>
                   </a:solidFill>
@@ -2609,7 +2609,7 @@
             </a:ln>
             <a:extLst>
               <a:ext uri="{91240B29-F687-4f45-9708-019B960494DF}">
-                <a14:hiddenLine xmlns="" xmlns:a14="http://schemas.microsoft.com/office/drawing/2010/main" w="9525">
+                <a14:hiddenLine xmlns:a14="http://schemas.microsoft.com/office/drawing/2010/main" xmlns="" w="9525">
                   <a:solidFill>
                     <a:srgbClr val="000000"/>
                   </a:solidFill>
@@ -2699,7 +2699,7 @@
             </a:ln>
             <a:extLst>
               <a:ext uri="{91240B29-F687-4f45-9708-019B960494DF}">
-                <a14:hiddenLine xmlns="" xmlns:a14="http://schemas.microsoft.com/office/drawing/2010/main" w="9525">
+                <a14:hiddenLine xmlns:a14="http://schemas.microsoft.com/office/drawing/2010/main" xmlns="" w="9525">
                   <a:solidFill>
                     <a:srgbClr val="000000"/>
                   </a:solidFill>
@@ -2767,7 +2767,7 @@
             </a:ln>
             <a:extLst>
               <a:ext uri="{91240B29-F687-4f45-9708-019B960494DF}">
-                <a14:hiddenLine xmlns="" xmlns:a14="http://schemas.microsoft.com/office/drawing/2010/main" w="9525">
+                <a14:hiddenLine xmlns:a14="http://schemas.microsoft.com/office/drawing/2010/main" xmlns="" w="9525">
                   <a:solidFill>
                     <a:srgbClr val="000000"/>
                   </a:solidFill>
@@ -2857,7 +2857,7 @@
             </a:ln>
             <a:extLst>
               <a:ext uri="{91240B29-F687-4f45-9708-019B960494DF}">
-                <a14:hiddenLine xmlns="" xmlns:a14="http://schemas.microsoft.com/office/drawing/2010/main" w="9525">
+                <a14:hiddenLine xmlns:a14="http://schemas.microsoft.com/office/drawing/2010/main" xmlns="" w="9525">
                   <a:solidFill>
                     <a:srgbClr val="000000"/>
                   </a:solidFill>
@@ -2891,7 +2891,7 @@
             </a:ln>
             <a:extLst>
               <a:ext uri="{91240B29-F687-4f45-9708-019B960494DF}">
-                <a14:hiddenLine xmlns="" xmlns:a14="http://schemas.microsoft.com/office/drawing/2010/main" w="9525">
+                <a14:hiddenLine xmlns:a14="http://schemas.microsoft.com/office/drawing/2010/main" xmlns="" w="9525">
                   <a:solidFill>
                     <a:srgbClr val="000000"/>
                   </a:solidFill>
@@ -2981,7 +2981,7 @@
             </a:ln>
             <a:extLst>
               <a:ext uri="{91240B29-F687-4f45-9708-019B960494DF}">
-                <a14:hiddenLine xmlns="" xmlns:a14="http://schemas.microsoft.com/office/drawing/2010/main" w="9525">
+                <a14:hiddenLine xmlns:a14="http://schemas.microsoft.com/office/drawing/2010/main" xmlns="" w="9525">
                   <a:solidFill>
                     <a:srgbClr val="000000"/>
                   </a:solidFill>
@@ -3043,7 +3043,7 @@
             </a:ln>
             <a:extLst>
               <a:ext uri="{91240B29-F687-4f45-9708-019B960494DF}">
-                <a14:hiddenLine xmlns="" xmlns:a14="http://schemas.microsoft.com/office/drawing/2010/main" w="9525">
+                <a14:hiddenLine xmlns:a14="http://schemas.microsoft.com/office/drawing/2010/main" xmlns="" w="9525">
                   <a:solidFill>
                     <a:srgbClr val="000000"/>
                   </a:solidFill>
@@ -3105,7 +3105,7 @@
             </a:ln>
             <a:extLst>
               <a:ext uri="{91240B29-F687-4f45-9708-019B960494DF}">
-                <a14:hiddenLine xmlns="" xmlns:a14="http://schemas.microsoft.com/office/drawing/2010/main" w="9525">
+                <a14:hiddenLine xmlns:a14="http://schemas.microsoft.com/office/drawing/2010/main" xmlns="" w="9525">
                   <a:solidFill>
                     <a:srgbClr val="000000"/>
                   </a:solidFill>
@@ -3195,7 +3195,7 @@
             </a:ln>
             <a:extLst>
               <a:ext uri="{91240B29-F687-4f45-9708-019B960494DF}">
-                <a14:hiddenLine xmlns="" xmlns:a14="http://schemas.microsoft.com/office/drawing/2010/main" w="9525">
+                <a14:hiddenLine xmlns:a14="http://schemas.microsoft.com/office/drawing/2010/main" xmlns="" w="9525">
                   <a:solidFill>
                     <a:srgbClr val="000000"/>
                   </a:solidFill>
@@ -3263,7 +3263,7 @@
             </a:ln>
             <a:extLst>
               <a:ext uri="{91240B29-F687-4f45-9708-019B960494DF}">
-                <a14:hiddenLine xmlns="" xmlns:a14="http://schemas.microsoft.com/office/drawing/2010/main" w="9525">
+                <a14:hiddenLine xmlns:a14="http://schemas.microsoft.com/office/drawing/2010/main" xmlns="" w="9525">
                   <a:solidFill>
                     <a:srgbClr val="000000"/>
                   </a:solidFill>
@@ -3325,7 +3325,7 @@
             </a:ln>
             <a:extLst>
               <a:ext uri="{91240B29-F687-4f45-9708-019B960494DF}">
-                <a14:hiddenLine xmlns="" xmlns:a14="http://schemas.microsoft.com/office/drawing/2010/main" w="9525">
+                <a14:hiddenLine xmlns:a14="http://schemas.microsoft.com/office/drawing/2010/main" xmlns="" w="9525">
                   <a:solidFill>
                     <a:srgbClr val="000000"/>
                   </a:solidFill>
@@ -3415,7 +3415,7 @@
             </a:ln>
             <a:extLst>
               <a:ext uri="{91240B29-F687-4f45-9708-019B960494DF}">
-                <a14:hiddenLine xmlns="" xmlns:a14="http://schemas.microsoft.com/office/drawing/2010/main" w="9525">
+                <a14:hiddenLine xmlns:a14="http://schemas.microsoft.com/office/drawing/2010/main" xmlns="" w="9525">
                   <a:solidFill>
                     <a:srgbClr val="000000"/>
                   </a:solidFill>
@@ -3477,7 +3477,7 @@
             </a:ln>
             <a:extLst>
               <a:ext uri="{91240B29-F687-4f45-9708-019B960494DF}">
-                <a14:hiddenLine xmlns="" xmlns:a14="http://schemas.microsoft.com/office/drawing/2010/main" w="9525">
+                <a14:hiddenLine xmlns:a14="http://schemas.microsoft.com/office/drawing/2010/main" xmlns="" w="9525">
                   <a:solidFill>
                     <a:srgbClr val="000000"/>
                   </a:solidFill>
@@ -3567,7 +3567,7 @@
             </a:ln>
             <a:extLst>
               <a:ext uri="{91240B29-F687-4f45-9708-019B960494DF}">
-                <a14:hiddenLine xmlns="" xmlns:a14="http://schemas.microsoft.com/office/drawing/2010/main" w="9525">
+                <a14:hiddenLine xmlns:a14="http://schemas.microsoft.com/office/drawing/2010/main" xmlns="" w="9525">
                   <a:solidFill>
                     <a:srgbClr val="000000"/>
                   </a:solidFill>
@@ -3629,7 +3629,7 @@
             </a:ln>
             <a:extLst>
               <a:ext uri="{91240B29-F687-4f45-9708-019B960494DF}">
-                <a14:hiddenLine xmlns="" xmlns:a14="http://schemas.microsoft.com/office/drawing/2010/main" w="9525">
+                <a14:hiddenLine xmlns:a14="http://schemas.microsoft.com/office/drawing/2010/main" xmlns="" w="9525">
                   <a:solidFill>
                     <a:srgbClr val="000000"/>
                   </a:solidFill>
@@ -3719,7 +3719,7 @@
             </a:ln>
             <a:extLst>
               <a:ext uri="{91240B29-F687-4f45-9708-019B960494DF}">
-                <a14:hiddenLine xmlns="" xmlns:a14="http://schemas.microsoft.com/office/drawing/2010/main" w="9525">
+                <a14:hiddenLine xmlns:a14="http://schemas.microsoft.com/office/drawing/2010/main" xmlns="" w="9525">
                   <a:solidFill>
                     <a:srgbClr val="000000"/>
                   </a:solidFill>
@@ -3753,7 +3753,7 @@
             </a:ln>
             <a:extLst>
               <a:ext uri="{91240B29-F687-4f45-9708-019B960494DF}">
-                <a14:hiddenLine xmlns="" xmlns:a14="http://schemas.microsoft.com/office/drawing/2010/main" w="9525">
+                <a14:hiddenLine xmlns:a14="http://schemas.microsoft.com/office/drawing/2010/main" xmlns="" w="9525">
                   <a:solidFill>
                     <a:srgbClr val="000000"/>
                   </a:solidFill>
@@ -3818,7 +3818,7 @@
             </a:ln>
             <a:extLst>
               <a:ext uri="{91240B29-F687-4f45-9708-019B960494DF}">
-                <a14:hiddenLine xmlns="" xmlns:a14="http://schemas.microsoft.com/office/drawing/2010/main" w="9525">
+                <a14:hiddenLine xmlns:a14="http://schemas.microsoft.com/office/drawing/2010/main" xmlns="" w="9525">
                   <a:solidFill>
                     <a:srgbClr val="000000"/>
                   </a:solidFill>
@@ -3908,7 +3908,7 @@
             </a:ln>
             <a:extLst>
               <a:ext uri="{91240B29-F687-4f45-9708-019B960494DF}">
-                <a14:hiddenLine xmlns="" xmlns:a14="http://schemas.microsoft.com/office/drawing/2010/main" w="9525">
+                <a14:hiddenLine xmlns:a14="http://schemas.microsoft.com/office/drawing/2010/main" xmlns="" w="9525">
                   <a:solidFill>
                     <a:srgbClr val="000000"/>
                   </a:solidFill>
@@ -3970,7 +3970,7 @@
             </a:ln>
             <a:extLst>
               <a:ext uri="{91240B29-F687-4f45-9708-019B960494DF}">
-                <a14:hiddenLine xmlns="" xmlns:a14="http://schemas.microsoft.com/office/drawing/2010/main" w="9525">
+                <a14:hiddenLine xmlns:a14="http://schemas.microsoft.com/office/drawing/2010/main" xmlns="" w="9525">
                   <a:solidFill>
                     <a:srgbClr val="000000"/>
                   </a:solidFill>
@@ -4060,7 +4060,7 @@
             </a:ln>
             <a:extLst>
               <a:ext uri="{91240B29-F687-4f45-9708-019B960494DF}">
-                <a14:hiddenLine xmlns="" xmlns:a14="http://schemas.microsoft.com/office/drawing/2010/main" w="9525">
+                <a14:hiddenLine xmlns:a14="http://schemas.microsoft.com/office/drawing/2010/main" xmlns="" w="9525">
                   <a:solidFill>
                     <a:srgbClr val="000000"/>
                   </a:solidFill>
@@ -4150,7 +4150,7 @@
             </a:ln>
             <a:extLst>
               <a:ext uri="{91240B29-F687-4f45-9708-019B960494DF}">
-                <a14:hiddenLine xmlns="" xmlns:a14="http://schemas.microsoft.com/office/drawing/2010/main" w="9525">
+                <a14:hiddenLine xmlns:a14="http://schemas.microsoft.com/office/drawing/2010/main" xmlns="" w="9525">
                   <a:solidFill>
                     <a:srgbClr val="000000"/>
                   </a:solidFill>
@@ -4215,7 +4215,7 @@
             </a:ln>
             <a:extLst>
               <a:ext uri="{91240B29-F687-4f45-9708-019B960494DF}">
-                <a14:hiddenLine xmlns="" xmlns:a14="http://schemas.microsoft.com/office/drawing/2010/main" w="9525">
+                <a14:hiddenLine xmlns:a14="http://schemas.microsoft.com/office/drawing/2010/main" xmlns="" w="9525">
                   <a:solidFill>
                     <a:srgbClr val="000000"/>
                   </a:solidFill>
@@ -4277,7 +4277,7 @@
             </a:ln>
             <a:extLst>
               <a:ext uri="{91240B29-F687-4f45-9708-019B960494DF}">
-                <a14:hiddenLine xmlns="" xmlns:a14="http://schemas.microsoft.com/office/drawing/2010/main" w="9525">
+                <a14:hiddenLine xmlns:a14="http://schemas.microsoft.com/office/drawing/2010/main" xmlns="" w="9525">
                   <a:solidFill>
                     <a:srgbClr val="000000"/>
                   </a:solidFill>
@@ -4367,7 +4367,7 @@
             </a:ln>
             <a:extLst>
               <a:ext uri="{91240B29-F687-4f45-9708-019B960494DF}">
-                <a14:hiddenLine xmlns="" xmlns:a14="http://schemas.microsoft.com/office/drawing/2010/main" w="9525">
+                <a14:hiddenLine xmlns:a14="http://schemas.microsoft.com/office/drawing/2010/main" xmlns="" w="9525">
                   <a:solidFill>
                     <a:srgbClr val="000000"/>
                   </a:solidFill>
@@ -4457,7 +4457,7 @@
             </a:ln>
             <a:extLst>
               <a:ext uri="{91240B29-F687-4f45-9708-019B960494DF}">
-                <a14:hiddenLine xmlns="" xmlns:a14="http://schemas.microsoft.com/office/drawing/2010/main" w="9525">
+                <a14:hiddenLine xmlns:a14="http://schemas.microsoft.com/office/drawing/2010/main" xmlns="" w="9525">
                   <a:solidFill>
                     <a:srgbClr val="000000"/>
                   </a:solidFill>
@@ -4519,7 +4519,7 @@
             </a:ln>
             <a:extLst>
               <a:ext uri="{91240B29-F687-4f45-9708-019B960494DF}">
-                <a14:hiddenLine xmlns="" xmlns:a14="http://schemas.microsoft.com/office/drawing/2010/main" w="9525">
+                <a14:hiddenLine xmlns:a14="http://schemas.microsoft.com/office/drawing/2010/main" xmlns="" w="9525">
                   <a:solidFill>
                     <a:srgbClr val="000000"/>
                   </a:solidFill>
@@ -4639,7 +4639,7 @@
             </a:ln>
             <a:extLst>
               <a:ext uri="{91240B29-F687-4f45-9708-019B960494DF}">
-                <a14:hiddenLine xmlns="" xmlns:a14="http://schemas.microsoft.com/office/drawing/2010/main" w="9525">
+                <a14:hiddenLine xmlns:a14="http://schemas.microsoft.com/office/drawing/2010/main" xmlns="" w="9525">
                   <a:solidFill>
                     <a:srgbClr val="000000"/>
                   </a:solidFill>
@@ -4707,7 +4707,7 @@
             </a:ln>
             <a:extLst>
               <a:ext uri="{91240B29-F687-4f45-9708-019B960494DF}">
-                <a14:hiddenLine xmlns="" xmlns:a14="http://schemas.microsoft.com/office/drawing/2010/main" w="9525">
+                <a14:hiddenLine xmlns:a14="http://schemas.microsoft.com/office/drawing/2010/main" xmlns="" w="9525">
                   <a:solidFill>
                     <a:srgbClr val="000000"/>
                   </a:solidFill>
@@ -4797,7 +4797,7 @@
             </a:ln>
             <a:extLst>
               <a:ext uri="{91240B29-F687-4f45-9708-019B960494DF}">
-                <a14:hiddenLine xmlns="" xmlns:a14="http://schemas.microsoft.com/office/drawing/2010/main" w="9525">
+                <a14:hiddenLine xmlns:a14="http://schemas.microsoft.com/office/drawing/2010/main" xmlns="" w="9525">
                   <a:solidFill>
                     <a:srgbClr val="000000"/>
                   </a:solidFill>
@@ -4937,7 +4937,7 @@
           <a:p>
             <a:fld id="{48A87A34-81AB-432B-8DAE-1953F412C126}" type="datetimeFigureOut">
               <a:rPr lang="en-US" dirty="0"/>
-              <a:t>3/1/2018</a:t>
+              <a:t>3/6/2018</a:t>
             </a:fld>
             <a:endParaRPr lang="en-US"/>
           </a:p>
@@ -5199,7 +5199,7 @@
           <a:p>
             <a:fld id="{48A87A34-81AB-432B-8DAE-1953F412C126}" type="datetimeFigureOut">
               <a:rPr lang="en-US" dirty="0"/>
-              <a:t>3/1/2018</a:t>
+              <a:t>3/6/2018</a:t>
             </a:fld>
             <a:endParaRPr lang="en-US"/>
           </a:p>
@@ -5390,7 +5390,7 @@
           <a:p>
             <a:fld id="{48A87A34-81AB-432B-8DAE-1953F412C126}" type="datetimeFigureOut">
               <a:rPr lang="en-US" dirty="0"/>
-              <a:t>3/1/2018</a:t>
+              <a:t>3/6/2018</a:t>
             </a:fld>
             <a:endParaRPr lang="en-US"/>
           </a:p>
@@ -5648,7 +5648,7 @@
           <a:p>
             <a:fld id="{48A87A34-81AB-432B-8DAE-1953F412C126}" type="datetimeFigureOut">
               <a:rPr lang="en-US" dirty="0"/>
-              <a:t>3/1/2018</a:t>
+              <a:t>3/6/2018</a:t>
             </a:fld>
             <a:endParaRPr lang="en-US"/>
           </a:p>
@@ -6077,7 +6077,7 @@
           <a:p>
             <a:fld id="{48A87A34-81AB-432B-8DAE-1953F412C126}" type="datetimeFigureOut">
               <a:rPr lang="en-US" dirty="0"/>
-              <a:t>3/1/2018</a:t>
+              <a:t>3/6/2018</a:t>
             </a:fld>
             <a:endParaRPr lang="en-US"/>
           </a:p>
@@ -6618,7 +6618,7 @@
           <a:p>
             <a:fld id="{48A87A34-81AB-432B-8DAE-1953F412C126}" type="datetimeFigureOut">
               <a:rPr lang="en-US" dirty="0"/>
-              <a:t>3/1/2018</a:t>
+              <a:t>3/6/2018</a:t>
             </a:fld>
             <a:endParaRPr lang="en-US"/>
           </a:p>
@@ -7333,7 +7333,7 @@
           <a:p>
             <a:fld id="{48A87A34-81AB-432B-8DAE-1953F412C126}" type="datetimeFigureOut">
               <a:rPr lang="en-US" dirty="0"/>
-              <a:t>3/1/2018</a:t>
+              <a:t>3/6/2018</a:t>
             </a:fld>
             <a:endParaRPr lang="en-US"/>
           </a:p>
@@ -7498,7 +7498,7 @@
           <a:p>
             <a:fld id="{48A87A34-81AB-432B-8DAE-1953F412C126}" type="datetimeFigureOut">
               <a:rPr lang="en-US" dirty="0"/>
-              <a:t>3/1/2018</a:t>
+              <a:t>3/6/2018</a:t>
             </a:fld>
             <a:endParaRPr lang="en-US"/>
           </a:p>
@@ -7673,7 +7673,7 @@
           <a:p>
             <a:fld id="{48A87A34-81AB-432B-8DAE-1953F412C126}" type="datetimeFigureOut">
               <a:rPr lang="en-US" dirty="0"/>
-              <a:t>3/1/2018</a:t>
+              <a:t>3/6/2018</a:t>
             </a:fld>
             <a:endParaRPr lang="en-US"/>
           </a:p>
@@ -7838,7 +7838,7 @@
           <a:p>
             <a:fld id="{48A87A34-81AB-432B-8DAE-1953F412C126}" type="datetimeFigureOut">
               <a:rPr lang="en-US" dirty="0"/>
-              <a:t>3/1/2018</a:t>
+              <a:t>3/6/2018</a:t>
             </a:fld>
             <a:endParaRPr lang="en-US"/>
           </a:p>
@@ -8083,7 +8083,7 @@
           <a:p>
             <a:fld id="{48A87A34-81AB-432B-8DAE-1953F412C126}" type="datetimeFigureOut">
               <a:rPr lang="en-US" dirty="0"/>
-              <a:t>3/1/2018</a:t>
+              <a:t>3/6/2018</a:t>
             </a:fld>
             <a:endParaRPr lang="en-US"/>
           </a:p>
@@ -8310,7 +8310,7 @@
           <a:p>
             <a:fld id="{48A87A34-81AB-432B-8DAE-1953F412C126}" type="datetimeFigureOut">
               <a:rPr lang="en-US" dirty="0"/>
-              <a:t>3/1/2018</a:t>
+              <a:t>3/6/2018</a:t>
             </a:fld>
             <a:endParaRPr lang="en-US"/>
           </a:p>
@@ -8686,7 +8686,7 @@
           <a:p>
             <a:fld id="{48A87A34-81AB-432B-8DAE-1953F412C126}" type="datetimeFigureOut">
               <a:rPr lang="en-US" dirty="0"/>
-              <a:t>3/1/2018</a:t>
+              <a:t>3/6/2018</a:t>
             </a:fld>
             <a:endParaRPr lang="en-US"/>
           </a:p>
@@ -8799,7 +8799,7 @@
           <a:p>
             <a:fld id="{48A87A34-81AB-432B-8DAE-1953F412C126}" type="datetimeFigureOut">
               <a:rPr lang="en-US" dirty="0"/>
-              <a:t>3/1/2018</a:t>
+              <a:t>3/6/2018</a:t>
             </a:fld>
             <a:endParaRPr lang="en-US"/>
           </a:p>
@@ -8889,7 +8889,7 @@
           <a:p>
             <a:fld id="{48A87A34-81AB-432B-8DAE-1953F412C126}" type="datetimeFigureOut">
               <a:rPr lang="en-US" dirty="0"/>
-              <a:t>3/1/2018</a:t>
+              <a:t>3/6/2018</a:t>
             </a:fld>
             <a:endParaRPr lang="en-US"/>
           </a:p>
@@ -9133,7 +9133,7 @@
           <a:p>
             <a:fld id="{48A87A34-81AB-432B-8DAE-1953F412C126}" type="datetimeFigureOut">
               <a:rPr lang="en-US" dirty="0"/>
-              <a:t>3/1/2018</a:t>
+              <a:t>3/6/2018</a:t>
             </a:fld>
             <a:endParaRPr lang="en-US"/>
           </a:p>
@@ -9408,7 +9408,7 @@
           <a:p>
             <a:fld id="{48A87A34-81AB-432B-8DAE-1953F412C126}" type="datetimeFigureOut">
               <a:rPr lang="en-US" dirty="0"/>
-              <a:t>3/1/2018</a:t>
+              <a:t>3/6/2018</a:t>
             </a:fld>
             <a:endParaRPr lang="en-US"/>
           </a:p>
@@ -9519,7 +9519,7 @@
           <a:noFill/>
           <a:extLst>
             <a:ext uri="{909E8E84-426E-40dd-AFC4-6F175D3DCCD1}">
-              <a14:hiddenFill xmlns="" xmlns:a14="http://schemas.microsoft.com/office/drawing/2010/main">
+              <a14:hiddenFill xmlns:a14="http://schemas.microsoft.com/office/drawing/2010/main" xmlns="">
                 <a:solidFill>
                   <a:srgbClr val="FFFFFF"/>
                 </a:solidFill>
@@ -9593,7 +9593,7 @@
               </a:ln>
               <a:extLst>
                 <a:ext uri="{91240B29-F687-4f45-9708-019B960494DF}">
-                  <a14:hiddenLine xmlns="" xmlns:a14="http://schemas.microsoft.com/office/drawing/2010/main" w="9525">
+                  <a14:hiddenLine xmlns:a14="http://schemas.microsoft.com/office/drawing/2010/main" xmlns="" w="9525">
                     <a:solidFill>
                       <a:srgbClr val="000000"/>
                     </a:solidFill>
@@ -9683,7 +9683,7 @@
               </a:ln>
               <a:extLst>
                 <a:ext uri="{91240B29-F687-4f45-9708-019B960494DF}">
-                  <a14:hiddenLine xmlns="" xmlns:a14="http://schemas.microsoft.com/office/drawing/2010/main" w="9525">
+                  <a14:hiddenLine xmlns:a14="http://schemas.microsoft.com/office/drawing/2010/main" xmlns="" w="9525">
                     <a:solidFill>
                       <a:srgbClr val="000000"/>
                     </a:solidFill>
@@ -9773,7 +9773,7 @@
               </a:ln>
               <a:extLst>
                 <a:ext uri="{91240B29-F687-4f45-9708-019B960494DF}">
-                  <a14:hiddenLine xmlns="" xmlns:a14="http://schemas.microsoft.com/office/drawing/2010/main" w="9525">
+                  <a14:hiddenLine xmlns:a14="http://schemas.microsoft.com/office/drawing/2010/main" xmlns="" w="9525">
                     <a:solidFill>
                       <a:srgbClr val="000000"/>
                     </a:solidFill>
@@ -9835,7 +9835,7 @@
               </a:ln>
               <a:extLst>
                 <a:ext uri="{91240B29-F687-4f45-9708-019B960494DF}">
-                  <a14:hiddenLine xmlns="" xmlns:a14="http://schemas.microsoft.com/office/drawing/2010/main" w="9525">
+                  <a14:hiddenLine xmlns:a14="http://schemas.microsoft.com/office/drawing/2010/main" xmlns="" w="9525">
                     <a:solidFill>
                       <a:srgbClr val="000000"/>
                     </a:solidFill>
@@ -9925,7 +9925,7 @@
               </a:ln>
               <a:extLst>
                 <a:ext uri="{91240B29-F687-4f45-9708-019B960494DF}">
-                  <a14:hiddenLine xmlns="" xmlns:a14="http://schemas.microsoft.com/office/drawing/2010/main" w="9525">
+                  <a14:hiddenLine xmlns:a14="http://schemas.microsoft.com/office/drawing/2010/main" xmlns="" w="9525">
                     <a:solidFill>
                       <a:srgbClr val="000000"/>
                     </a:solidFill>
@@ -9987,7 +9987,7 @@
               </a:ln>
               <a:extLst>
                 <a:ext uri="{91240B29-F687-4f45-9708-019B960494DF}">
-                  <a14:hiddenLine xmlns="" xmlns:a14="http://schemas.microsoft.com/office/drawing/2010/main" w="9525">
+                  <a14:hiddenLine xmlns:a14="http://schemas.microsoft.com/office/drawing/2010/main" xmlns="" w="9525">
                     <a:solidFill>
                       <a:srgbClr val="000000"/>
                     </a:solidFill>
@@ -10049,7 +10049,7 @@
               </a:ln>
               <a:extLst>
                 <a:ext uri="{91240B29-F687-4f45-9708-019B960494DF}">
-                  <a14:hiddenLine xmlns="" xmlns:a14="http://schemas.microsoft.com/office/drawing/2010/main" w="9525">
+                  <a14:hiddenLine xmlns:a14="http://schemas.microsoft.com/office/drawing/2010/main" xmlns="" w="9525">
                     <a:solidFill>
                       <a:srgbClr val="000000"/>
                     </a:solidFill>
@@ -10139,7 +10139,7 @@
               </a:ln>
               <a:extLst>
                 <a:ext uri="{91240B29-F687-4f45-9708-019B960494DF}">
-                  <a14:hiddenLine xmlns="" xmlns:a14="http://schemas.microsoft.com/office/drawing/2010/main" w="9525">
+                  <a14:hiddenLine xmlns:a14="http://schemas.microsoft.com/office/drawing/2010/main" xmlns="" w="9525">
                     <a:solidFill>
                       <a:srgbClr val="000000"/>
                     </a:solidFill>
@@ -10229,7 +10229,7 @@
               </a:ln>
               <a:extLst>
                 <a:ext uri="{91240B29-F687-4f45-9708-019B960494DF}">
-                  <a14:hiddenLine xmlns="" xmlns:a14="http://schemas.microsoft.com/office/drawing/2010/main" w="9525">
+                  <a14:hiddenLine xmlns:a14="http://schemas.microsoft.com/office/drawing/2010/main" xmlns="" w="9525">
                     <a:solidFill>
                       <a:srgbClr val="000000"/>
                     </a:solidFill>
@@ -10291,7 +10291,7 @@
               </a:ln>
               <a:extLst>
                 <a:ext uri="{91240B29-F687-4f45-9708-019B960494DF}">
-                  <a14:hiddenLine xmlns="" xmlns:a14="http://schemas.microsoft.com/office/drawing/2010/main" w="9525">
+                  <a14:hiddenLine xmlns:a14="http://schemas.microsoft.com/office/drawing/2010/main" xmlns="" w="9525">
                     <a:solidFill>
                       <a:srgbClr val="000000"/>
                     </a:solidFill>
@@ -10401,7 +10401,7 @@
               </a:ln>
               <a:extLst>
                 <a:ext uri="{91240B29-F687-4f45-9708-019B960494DF}">
-                  <a14:hiddenLine xmlns="" xmlns:a14="http://schemas.microsoft.com/office/drawing/2010/main" w="9525">
+                  <a14:hiddenLine xmlns:a14="http://schemas.microsoft.com/office/drawing/2010/main" xmlns="" w="9525">
                     <a:solidFill>
                       <a:srgbClr val="000000"/>
                     </a:solidFill>
@@ -10485,7 +10485,7 @@
               </a:ln>
               <a:extLst>
                 <a:ext uri="{91240B29-F687-4f45-9708-019B960494DF}">
-                  <a14:hiddenLine xmlns="" xmlns:a14="http://schemas.microsoft.com/office/drawing/2010/main" w="9525">
+                  <a14:hiddenLine xmlns:a14="http://schemas.microsoft.com/office/drawing/2010/main" xmlns="" w="9525">
                     <a:solidFill>
                       <a:srgbClr val="000000"/>
                     </a:solidFill>
@@ -10547,7 +10547,7 @@
               </a:ln>
               <a:extLst>
                 <a:ext uri="{91240B29-F687-4f45-9708-019B960494DF}">
-                  <a14:hiddenLine xmlns="" xmlns:a14="http://schemas.microsoft.com/office/drawing/2010/main" w="9525">
+                  <a14:hiddenLine xmlns:a14="http://schemas.microsoft.com/office/drawing/2010/main" xmlns="" w="9525">
                     <a:solidFill>
                       <a:srgbClr val="000000"/>
                     </a:solidFill>
@@ -10609,7 +10609,7 @@
               </a:ln>
               <a:extLst>
                 <a:ext uri="{91240B29-F687-4f45-9708-019B960494DF}">
-                  <a14:hiddenLine xmlns="" xmlns:a14="http://schemas.microsoft.com/office/drawing/2010/main" w="9525">
+                  <a14:hiddenLine xmlns:a14="http://schemas.microsoft.com/office/drawing/2010/main" xmlns="" w="9525">
                     <a:solidFill>
                       <a:srgbClr val="000000"/>
                     </a:solidFill>
@@ -10699,7 +10699,7 @@
               </a:ln>
               <a:extLst>
                 <a:ext uri="{91240B29-F687-4f45-9708-019B960494DF}">
-                  <a14:hiddenLine xmlns="" xmlns:a14="http://schemas.microsoft.com/office/drawing/2010/main" w="9525">
+                  <a14:hiddenLine xmlns:a14="http://schemas.microsoft.com/office/drawing/2010/main" xmlns="" w="9525">
                     <a:solidFill>
                       <a:srgbClr val="000000"/>
                     </a:solidFill>
@@ -10733,7 +10733,7 @@
               </a:ln>
               <a:extLst>
                 <a:ext uri="{91240B29-F687-4f45-9708-019B960494DF}">
-                  <a14:hiddenLine xmlns="" xmlns:a14="http://schemas.microsoft.com/office/drawing/2010/main" w="9525">
+                  <a14:hiddenLine xmlns:a14="http://schemas.microsoft.com/office/drawing/2010/main" xmlns="" w="9525">
                     <a:solidFill>
                       <a:srgbClr val="000000"/>
                     </a:solidFill>
@@ -10798,7 +10798,7 @@
               </a:ln>
               <a:extLst>
                 <a:ext uri="{91240B29-F687-4f45-9708-019B960494DF}">
-                  <a14:hiddenLine xmlns="" xmlns:a14="http://schemas.microsoft.com/office/drawing/2010/main" w="9525">
+                  <a14:hiddenLine xmlns:a14="http://schemas.microsoft.com/office/drawing/2010/main" xmlns="" w="9525">
                     <a:solidFill>
                       <a:srgbClr val="000000"/>
                     </a:solidFill>
@@ -10888,7 +10888,7 @@
               </a:ln>
               <a:extLst>
                 <a:ext uri="{91240B29-F687-4f45-9708-019B960494DF}">
-                  <a14:hiddenLine xmlns="" xmlns:a14="http://schemas.microsoft.com/office/drawing/2010/main" w="9525">
+                  <a14:hiddenLine xmlns:a14="http://schemas.microsoft.com/office/drawing/2010/main" xmlns="" w="9525">
                     <a:solidFill>
                       <a:srgbClr val="000000"/>
                     </a:solidFill>
@@ -10950,7 +10950,7 @@
               </a:ln>
               <a:extLst>
                 <a:ext uri="{91240B29-F687-4f45-9708-019B960494DF}">
-                  <a14:hiddenLine xmlns="" xmlns:a14="http://schemas.microsoft.com/office/drawing/2010/main" w="9525">
+                  <a14:hiddenLine xmlns:a14="http://schemas.microsoft.com/office/drawing/2010/main" xmlns="" w="9525">
                     <a:solidFill>
                       <a:srgbClr val="000000"/>
                     </a:solidFill>
@@ -11040,7 +11040,7 @@
               </a:ln>
               <a:extLst>
                 <a:ext uri="{91240B29-F687-4f45-9708-019B960494DF}">
-                  <a14:hiddenLine xmlns="" xmlns:a14="http://schemas.microsoft.com/office/drawing/2010/main" w="9525">
+                  <a14:hiddenLine xmlns:a14="http://schemas.microsoft.com/office/drawing/2010/main" xmlns="" w="9525">
                     <a:solidFill>
                       <a:srgbClr val="000000"/>
                     </a:solidFill>
@@ -11105,7 +11105,7 @@
               </a:ln>
               <a:extLst>
                 <a:ext uri="{91240B29-F687-4f45-9708-019B960494DF}">
-                  <a14:hiddenLine xmlns="" xmlns:a14="http://schemas.microsoft.com/office/drawing/2010/main" w="9525">
+                  <a14:hiddenLine xmlns:a14="http://schemas.microsoft.com/office/drawing/2010/main" xmlns="" w="9525">
                     <a:solidFill>
                       <a:srgbClr val="000000"/>
                     </a:solidFill>
@@ -11167,7 +11167,7 @@
               </a:ln>
               <a:extLst>
                 <a:ext uri="{91240B29-F687-4f45-9708-019B960494DF}">
-                  <a14:hiddenLine xmlns="" xmlns:a14="http://schemas.microsoft.com/office/drawing/2010/main" w="9525">
+                  <a14:hiddenLine xmlns:a14="http://schemas.microsoft.com/office/drawing/2010/main" xmlns="" w="9525">
                     <a:solidFill>
                       <a:srgbClr val="000000"/>
                     </a:solidFill>
@@ -11257,7 +11257,7 @@
               </a:ln>
               <a:extLst>
                 <a:ext uri="{91240B29-F687-4f45-9708-019B960494DF}">
-                  <a14:hiddenLine xmlns="" xmlns:a14="http://schemas.microsoft.com/office/drawing/2010/main" w="9525">
+                  <a14:hiddenLine xmlns:a14="http://schemas.microsoft.com/office/drawing/2010/main" xmlns="" w="9525">
                     <a:solidFill>
                       <a:srgbClr val="000000"/>
                     </a:solidFill>
@@ -11347,7 +11347,7 @@
               </a:ln>
               <a:extLst>
                 <a:ext uri="{91240B29-F687-4f45-9708-019B960494DF}">
-                  <a14:hiddenLine xmlns="" xmlns:a14="http://schemas.microsoft.com/office/drawing/2010/main" w="9525">
+                  <a14:hiddenLine xmlns:a14="http://schemas.microsoft.com/office/drawing/2010/main" xmlns="" w="9525">
                     <a:solidFill>
                       <a:srgbClr val="000000"/>
                     </a:solidFill>
@@ -11412,7 +11412,7 @@
               </a:ln>
               <a:extLst>
                 <a:ext uri="{91240B29-F687-4f45-9708-019B960494DF}">
-                  <a14:hiddenLine xmlns="" xmlns:a14="http://schemas.microsoft.com/office/drawing/2010/main" w="9525">
+                  <a14:hiddenLine xmlns:a14="http://schemas.microsoft.com/office/drawing/2010/main" xmlns="" w="9525">
                     <a:solidFill>
                       <a:srgbClr val="000000"/>
                     </a:solidFill>
@@ -11532,7 +11532,7 @@
               </a:ln>
               <a:extLst>
                 <a:ext uri="{91240B29-F687-4f45-9708-019B960494DF}">
-                  <a14:hiddenLine xmlns="" xmlns:a14="http://schemas.microsoft.com/office/drawing/2010/main" w="9525">
+                  <a14:hiddenLine xmlns:a14="http://schemas.microsoft.com/office/drawing/2010/main" xmlns="" w="9525">
                     <a:solidFill>
                       <a:srgbClr val="000000"/>
                     </a:solidFill>
@@ -11630,7 +11630,7 @@
               </a:ln>
               <a:extLst>
                 <a:ext uri="{91240B29-F687-4f45-9708-019B960494DF}">
-                  <a14:hiddenLine xmlns="" xmlns:a14="http://schemas.microsoft.com/office/drawing/2010/main" w="9525">
+                  <a14:hiddenLine xmlns:a14="http://schemas.microsoft.com/office/drawing/2010/main" xmlns="" w="9525">
                     <a:solidFill>
                       <a:srgbClr val="000000"/>
                     </a:solidFill>
@@ -11745,7 +11745,7 @@
               </a:ln>
               <a:extLst>
                 <a:ext uri="{91240B29-F687-4f45-9708-019B960494DF}">
-                  <a14:hiddenLine xmlns="" xmlns:a14="http://schemas.microsoft.com/office/drawing/2010/main" w="9525">
+                  <a14:hiddenLine xmlns:a14="http://schemas.microsoft.com/office/drawing/2010/main" xmlns="" w="9525">
                     <a:solidFill>
                       <a:srgbClr val="000000"/>
                     </a:solidFill>
@@ -11835,7 +11835,7 @@
               </a:ln>
               <a:extLst>
                 <a:ext uri="{91240B29-F687-4f45-9708-019B960494DF}">
-                  <a14:hiddenLine xmlns="" xmlns:a14="http://schemas.microsoft.com/office/drawing/2010/main" w="9525">
+                  <a14:hiddenLine xmlns:a14="http://schemas.microsoft.com/office/drawing/2010/main" xmlns="" w="9525">
                     <a:solidFill>
                       <a:srgbClr val="000000"/>
                     </a:solidFill>
@@ -11900,7 +11900,7 @@
               </a:ln>
               <a:extLst>
                 <a:ext uri="{91240B29-F687-4f45-9708-019B960494DF}">
-                  <a14:hiddenLine xmlns="" xmlns:a14="http://schemas.microsoft.com/office/drawing/2010/main" w="9525">
+                  <a14:hiddenLine xmlns:a14="http://schemas.microsoft.com/office/drawing/2010/main" xmlns="" w="9525">
                     <a:solidFill>
                       <a:srgbClr val="000000"/>
                     </a:solidFill>
@@ -11990,7 +11990,7 @@
               </a:ln>
               <a:extLst>
                 <a:ext uri="{91240B29-F687-4f45-9708-019B960494DF}">
-                  <a14:hiddenLine xmlns="" xmlns:a14="http://schemas.microsoft.com/office/drawing/2010/main" w="9525">
+                  <a14:hiddenLine xmlns:a14="http://schemas.microsoft.com/office/drawing/2010/main" xmlns="" w="9525">
                     <a:solidFill>
                       <a:srgbClr val="000000"/>
                     </a:solidFill>
@@ -12058,7 +12058,7 @@
               </a:ln>
               <a:extLst>
                 <a:ext uri="{91240B29-F687-4f45-9708-019B960494DF}">
-                  <a14:hiddenLine xmlns="" xmlns:a14="http://schemas.microsoft.com/office/drawing/2010/main" w="9525">
+                  <a14:hiddenLine xmlns:a14="http://schemas.microsoft.com/office/drawing/2010/main" xmlns="" w="9525">
                     <a:solidFill>
                       <a:srgbClr val="000000"/>
                     </a:solidFill>
@@ -12148,7 +12148,7 @@
               </a:ln>
               <a:extLst>
                 <a:ext uri="{91240B29-F687-4f45-9708-019B960494DF}">
-                  <a14:hiddenLine xmlns="" xmlns:a14="http://schemas.microsoft.com/office/drawing/2010/main" w="9525">
+                  <a14:hiddenLine xmlns:a14="http://schemas.microsoft.com/office/drawing/2010/main" xmlns="" w="9525">
                     <a:solidFill>
                       <a:srgbClr val="000000"/>
                     </a:solidFill>
@@ -12216,7 +12216,7 @@
               </a:ln>
               <a:extLst>
                 <a:ext uri="{91240B29-F687-4f45-9708-019B960494DF}">
-                  <a14:hiddenLine xmlns="" xmlns:a14="http://schemas.microsoft.com/office/drawing/2010/main" w="9525">
+                  <a14:hiddenLine xmlns:a14="http://schemas.microsoft.com/office/drawing/2010/main" xmlns="" w="9525">
                     <a:solidFill>
                       <a:srgbClr val="000000"/>
                     </a:solidFill>
@@ -12306,7 +12306,7 @@
               </a:ln>
               <a:extLst>
                 <a:ext uri="{91240B29-F687-4f45-9708-019B960494DF}">
-                  <a14:hiddenLine xmlns="" xmlns:a14="http://schemas.microsoft.com/office/drawing/2010/main" w="9525">
+                  <a14:hiddenLine xmlns:a14="http://schemas.microsoft.com/office/drawing/2010/main" xmlns="" w="9525">
                     <a:solidFill>
                       <a:srgbClr val="000000"/>
                     </a:solidFill>
@@ -12340,7 +12340,7 @@
               </a:ln>
               <a:extLst>
                 <a:ext uri="{91240B29-F687-4f45-9708-019B960494DF}">
-                  <a14:hiddenLine xmlns="" xmlns:a14="http://schemas.microsoft.com/office/drawing/2010/main" w="9525">
+                  <a14:hiddenLine xmlns:a14="http://schemas.microsoft.com/office/drawing/2010/main" xmlns="" w="9525">
                     <a:solidFill>
                       <a:srgbClr val="000000"/>
                     </a:solidFill>
@@ -12481,7 +12481,7 @@
             <a:fld id="{48A87A34-81AB-432B-8DAE-1953F412C126}" type="datetimeFigureOut">
               <a:rPr lang="en-US" dirty="0"/>
               <a:pPr/>
-              <a:t>3/1/2018</a:t>
+              <a:t>3/6/2018</a:t>
             </a:fld>
             <a:endParaRPr lang="en-US"/>
           </a:p>
@@ -13856,11 +13856,7 @@
             </a:r>
             <a:r>
               <a:rPr lang="fi-FI" sz="2000" dirty="0"/>
-              <a:t>(15</a:t>
-            </a:r>
-            <a:r>
-              <a:rPr lang="fi-FI" sz="2000"/>
-              <a:t>.-28.2.2018 – EI TOTEUTUNUT AIKATAULUSSA)</a:t>
+              <a:t>(15.-28.2.2018 – EI TOTEUTUNUT AIKATAULUSSA)</a:t>
             </a:r>
             <a:endParaRPr lang="en-US" sz="2000" dirty="0"/>
           </a:p>
@@ -14100,7 +14096,7 @@
             </a:r>
             <a:r>
               <a:rPr lang="fi-FI" sz="2000" dirty="0"/>
-              <a:t>(15.-28.2.2018)</a:t>
+              <a:t>(15.-28.2.2018 – EI TOTEUTUNUT AIKATAULUSSA)</a:t>
             </a:r>
             <a:endParaRPr lang="en-US" sz="2000" dirty="0"/>
           </a:p>
@@ -14108,10 +14104,10 @@
       </p:sp>
       <p:pic>
         <p:nvPicPr>
-          <p:cNvPr id="5" name="Kuva 4">
+          <p:cNvPr id="4" name="Kuva 3">
             <a:extLst>
               <a:ext uri="{FF2B5EF4-FFF2-40B4-BE49-F238E27FC236}">
-                <a16:creationId xmlns:a16="http://schemas.microsoft.com/office/drawing/2014/main" id="{D640C7FA-2B46-4303-8834-DF40C4278269}"/>
+                <a16:creationId xmlns:a16="http://schemas.microsoft.com/office/drawing/2014/main" id="{D1D36B07-4593-41AA-AEA6-CDBCBD9AA6B3}"/>
               </a:ext>
             </a:extLst>
           </p:cNvPr>
@@ -14128,8 +14124,8 @@
         </p:blipFill>
         <p:spPr>
           <a:xfrm>
-            <a:off x="1152298" y="500962"/>
-            <a:ext cx="9909176" cy="6028359"/>
+            <a:off x="1141412" y="369392"/>
+            <a:ext cx="10319067" cy="6119216"/>
           </a:xfrm>
           <a:prstGeom prst="rect">
             <a:avLst/>

--- a/java/Ryhmä 9 - Lämpötilaseuranta v5.pptx
+++ b/java/Ryhmä 9 - Lämpötilaseuranta v5.pptx
@@ -222,7 +222,7 @@
           <a:p>
             <a:fld id="{B7584FA8-6991-450F-A0BA-FF09BEC0681A}" type="datetimeFigureOut">
               <a:rPr lang="en-US" smtClean="0"/>
-              <a:t>3/6/2018</a:t>
+              <a:t>3/7/2018</a:t>
             </a:fld>
             <a:endParaRPr lang="en-US"/>
           </a:p>
@@ -711,7 +711,7 @@
           <a:noFill/>
           <a:extLst>
             <a:ext uri="{909E8E84-426E-40dd-AFC4-6F175D3DCCD1}">
-              <a14:hiddenFill xmlns:a14="http://schemas.microsoft.com/office/drawing/2010/main" xmlns="">
+              <a14:hiddenFill xmlns="" xmlns:a14="http://schemas.microsoft.com/office/drawing/2010/main">
                 <a:solidFill>
                   <a:srgbClr val="FFFFFF"/>
                 </a:solidFill>
@@ -771,7 +771,7 @@
             </a:ln>
             <a:extLst>
               <a:ext uri="{91240B29-F687-4f45-9708-019B960494DF}">
-                <a14:hiddenLine xmlns:a14="http://schemas.microsoft.com/office/drawing/2010/main" xmlns="" w="9525">
+                <a14:hiddenLine xmlns="" xmlns:a14="http://schemas.microsoft.com/office/drawing/2010/main" w="9525">
                   <a:solidFill>
                     <a:srgbClr val="000000"/>
                   </a:solidFill>
@@ -861,7 +861,7 @@
             </a:ln>
             <a:extLst>
               <a:ext uri="{91240B29-F687-4f45-9708-019B960494DF}">
-                <a14:hiddenLine xmlns:a14="http://schemas.microsoft.com/office/drawing/2010/main" xmlns="" w="9525">
+                <a14:hiddenLine xmlns="" xmlns:a14="http://schemas.microsoft.com/office/drawing/2010/main" w="9525">
                   <a:solidFill>
                     <a:srgbClr val="000000"/>
                   </a:solidFill>
@@ -951,7 +951,7 @@
             </a:ln>
             <a:extLst>
               <a:ext uri="{91240B29-F687-4f45-9708-019B960494DF}">
-                <a14:hiddenLine xmlns:a14="http://schemas.microsoft.com/office/drawing/2010/main" xmlns="" w="9525">
+                <a14:hiddenLine xmlns="" xmlns:a14="http://schemas.microsoft.com/office/drawing/2010/main" w="9525">
                   <a:solidFill>
                     <a:srgbClr val="000000"/>
                   </a:solidFill>
@@ -985,7 +985,7 @@
             </a:ln>
             <a:extLst>
               <a:ext uri="{91240B29-F687-4f45-9708-019B960494DF}">
-                <a14:hiddenLine xmlns:a14="http://schemas.microsoft.com/office/drawing/2010/main" xmlns="" w="9525">
+                <a14:hiddenLine xmlns="" xmlns:a14="http://schemas.microsoft.com/office/drawing/2010/main" w="9525">
                   <a:solidFill>
                     <a:srgbClr val="000000"/>
                   </a:solidFill>
@@ -1075,7 +1075,7 @@
             </a:ln>
             <a:extLst>
               <a:ext uri="{91240B29-F687-4f45-9708-019B960494DF}">
-                <a14:hiddenLine xmlns:a14="http://schemas.microsoft.com/office/drawing/2010/main" xmlns="" w="9525">
+                <a14:hiddenLine xmlns="" xmlns:a14="http://schemas.microsoft.com/office/drawing/2010/main" w="9525">
                   <a:solidFill>
                     <a:srgbClr val="000000"/>
                   </a:solidFill>
@@ -1137,7 +1137,7 @@
             </a:ln>
             <a:extLst>
               <a:ext uri="{91240B29-F687-4f45-9708-019B960494DF}">
-                <a14:hiddenLine xmlns:a14="http://schemas.microsoft.com/office/drawing/2010/main" xmlns="" w="9525">
+                <a14:hiddenLine xmlns="" xmlns:a14="http://schemas.microsoft.com/office/drawing/2010/main" w="9525">
                   <a:solidFill>
                     <a:srgbClr val="000000"/>
                   </a:solidFill>
@@ -1199,7 +1199,7 @@
             </a:ln>
             <a:extLst>
               <a:ext uri="{91240B29-F687-4f45-9708-019B960494DF}">
-                <a14:hiddenLine xmlns:a14="http://schemas.microsoft.com/office/drawing/2010/main" xmlns="" w="9525">
+                <a14:hiddenLine xmlns="" xmlns:a14="http://schemas.microsoft.com/office/drawing/2010/main" w="9525">
                   <a:solidFill>
                     <a:srgbClr val="000000"/>
                   </a:solidFill>
@@ -1289,7 +1289,7 @@
             </a:ln>
             <a:extLst>
               <a:ext uri="{91240B29-F687-4f45-9708-019B960494DF}">
-                <a14:hiddenLine xmlns:a14="http://schemas.microsoft.com/office/drawing/2010/main" xmlns="" w="9525">
+                <a14:hiddenLine xmlns="" xmlns:a14="http://schemas.microsoft.com/office/drawing/2010/main" w="9525">
                   <a:solidFill>
                     <a:srgbClr val="000000"/>
                   </a:solidFill>
@@ -1351,7 +1351,7 @@
             </a:ln>
             <a:extLst>
               <a:ext uri="{91240B29-F687-4f45-9708-019B960494DF}">
-                <a14:hiddenLine xmlns:a14="http://schemas.microsoft.com/office/drawing/2010/main" xmlns="" w="9525">
+                <a14:hiddenLine xmlns="" xmlns:a14="http://schemas.microsoft.com/office/drawing/2010/main" w="9525">
                   <a:solidFill>
                     <a:srgbClr val="000000"/>
                   </a:solidFill>
@@ -1413,7 +1413,7 @@
             </a:ln>
             <a:extLst>
               <a:ext uri="{91240B29-F687-4f45-9708-019B960494DF}">
-                <a14:hiddenLine xmlns:a14="http://schemas.microsoft.com/office/drawing/2010/main" xmlns="" w="9525">
+                <a14:hiddenLine xmlns="" xmlns:a14="http://schemas.microsoft.com/office/drawing/2010/main" w="9525">
                   <a:solidFill>
                     <a:srgbClr val="000000"/>
                   </a:solidFill>
@@ -1503,7 +1503,7 @@
             </a:ln>
             <a:extLst>
               <a:ext uri="{91240B29-F687-4f45-9708-019B960494DF}">
-                <a14:hiddenLine xmlns:a14="http://schemas.microsoft.com/office/drawing/2010/main" xmlns="" w="9525">
+                <a14:hiddenLine xmlns="" xmlns:a14="http://schemas.microsoft.com/office/drawing/2010/main" w="9525">
                   <a:solidFill>
                     <a:srgbClr val="000000"/>
                   </a:solidFill>
@@ -1593,7 +1593,7 @@
             </a:ln>
             <a:extLst>
               <a:ext uri="{91240B29-F687-4f45-9708-019B960494DF}">
-                <a14:hiddenLine xmlns:a14="http://schemas.microsoft.com/office/drawing/2010/main" xmlns="" w="9525">
+                <a14:hiddenLine xmlns="" xmlns:a14="http://schemas.microsoft.com/office/drawing/2010/main" w="9525">
                   <a:solidFill>
                     <a:srgbClr val="000000"/>
                   </a:solidFill>
@@ -1655,7 +1655,7 @@
             </a:ln>
             <a:extLst>
               <a:ext uri="{91240B29-F687-4f45-9708-019B960494DF}">
-                <a14:hiddenLine xmlns:a14="http://schemas.microsoft.com/office/drawing/2010/main" xmlns="" w="9525">
+                <a14:hiddenLine xmlns="" xmlns:a14="http://schemas.microsoft.com/office/drawing/2010/main" w="9525">
                   <a:solidFill>
                     <a:srgbClr val="000000"/>
                   </a:solidFill>
@@ -1765,7 +1765,7 @@
             </a:ln>
             <a:extLst>
               <a:ext uri="{91240B29-F687-4f45-9708-019B960494DF}">
-                <a14:hiddenLine xmlns:a14="http://schemas.microsoft.com/office/drawing/2010/main" xmlns="" w="9525">
+                <a14:hiddenLine xmlns="" xmlns:a14="http://schemas.microsoft.com/office/drawing/2010/main" w="9525">
                   <a:solidFill>
                     <a:srgbClr val="000000"/>
                   </a:solidFill>
@@ -1827,7 +1827,7 @@
             </a:ln>
             <a:extLst>
               <a:ext uri="{91240B29-F687-4f45-9708-019B960494DF}">
-                <a14:hiddenLine xmlns:a14="http://schemas.microsoft.com/office/drawing/2010/main" xmlns="" w="9525">
+                <a14:hiddenLine xmlns="" xmlns:a14="http://schemas.microsoft.com/office/drawing/2010/main" w="9525">
                   <a:solidFill>
                     <a:srgbClr val="000000"/>
                   </a:solidFill>
@@ -1917,7 +1917,7 @@
             </a:ln>
             <a:extLst>
               <a:ext uri="{91240B29-F687-4f45-9708-019B960494DF}">
-                <a14:hiddenLine xmlns:a14="http://schemas.microsoft.com/office/drawing/2010/main" xmlns="" w="9525">
+                <a14:hiddenLine xmlns="" xmlns:a14="http://schemas.microsoft.com/office/drawing/2010/main" w="9525">
                   <a:solidFill>
                     <a:srgbClr val="000000"/>
                   </a:solidFill>
@@ -2007,7 +2007,7 @@
             </a:ln>
             <a:extLst>
               <a:ext uri="{91240B29-F687-4f45-9708-019B960494DF}">
-                <a14:hiddenLine xmlns:a14="http://schemas.microsoft.com/office/drawing/2010/main" xmlns="" w="9525">
+                <a14:hiddenLine xmlns="" xmlns:a14="http://schemas.microsoft.com/office/drawing/2010/main" w="9525">
                   <a:solidFill>
                     <a:srgbClr val="000000"/>
                   </a:solidFill>
@@ -2069,7 +2069,7 @@
             </a:ln>
             <a:extLst>
               <a:ext uri="{91240B29-F687-4f45-9708-019B960494DF}">
-                <a14:hiddenLine xmlns:a14="http://schemas.microsoft.com/office/drawing/2010/main" xmlns="" w="9525">
+                <a14:hiddenLine xmlns="" xmlns:a14="http://schemas.microsoft.com/office/drawing/2010/main" w="9525">
                   <a:solidFill>
                     <a:srgbClr val="000000"/>
                   </a:solidFill>
@@ -2159,7 +2159,7 @@
             </a:ln>
             <a:extLst>
               <a:ext uri="{91240B29-F687-4f45-9708-019B960494DF}">
-                <a14:hiddenLine xmlns:a14="http://schemas.microsoft.com/office/drawing/2010/main" xmlns="" w="9525">
+                <a14:hiddenLine xmlns="" xmlns:a14="http://schemas.microsoft.com/office/drawing/2010/main" w="9525">
                   <a:solidFill>
                     <a:srgbClr val="000000"/>
                   </a:solidFill>
@@ -2249,7 +2249,7 @@
             </a:ln>
             <a:extLst>
               <a:ext uri="{91240B29-F687-4f45-9708-019B960494DF}">
-                <a14:hiddenLine xmlns:a14="http://schemas.microsoft.com/office/drawing/2010/main" xmlns="" w="9525">
+                <a14:hiddenLine xmlns="" xmlns:a14="http://schemas.microsoft.com/office/drawing/2010/main" w="9525">
                   <a:solidFill>
                     <a:srgbClr val="000000"/>
                   </a:solidFill>
@@ -2305,7 +2305,7 @@
             </a:ln>
             <a:extLst>
               <a:ext uri="{91240B29-F687-4f45-9708-019B960494DF}">
-                <a14:hiddenLine xmlns:a14="http://schemas.microsoft.com/office/drawing/2010/main" xmlns="" w="9525">
+                <a14:hiddenLine xmlns="" xmlns:a14="http://schemas.microsoft.com/office/drawing/2010/main" w="9525">
                   <a:solidFill>
                     <a:srgbClr val="000000"/>
                   </a:solidFill>
@@ -2395,7 +2395,7 @@
             </a:ln>
             <a:extLst>
               <a:ext uri="{91240B29-F687-4f45-9708-019B960494DF}">
-                <a14:hiddenLine xmlns:a14="http://schemas.microsoft.com/office/drawing/2010/main" xmlns="" w="9525">
+                <a14:hiddenLine xmlns="" xmlns:a14="http://schemas.microsoft.com/office/drawing/2010/main" w="9525">
                   <a:solidFill>
                     <a:srgbClr val="000000"/>
                   </a:solidFill>
@@ -2451,7 +2451,7 @@
             </a:ln>
             <a:extLst>
               <a:ext uri="{91240B29-F687-4f45-9708-019B960494DF}">
-                <a14:hiddenLine xmlns:a14="http://schemas.microsoft.com/office/drawing/2010/main" xmlns="" w="9525">
+                <a14:hiddenLine xmlns="" xmlns:a14="http://schemas.microsoft.com/office/drawing/2010/main" w="9525">
                   <a:solidFill>
                     <a:srgbClr val="000000"/>
                   </a:solidFill>
@@ -2541,7 +2541,7 @@
             </a:ln>
             <a:extLst>
               <a:ext uri="{91240B29-F687-4f45-9708-019B960494DF}">
-                <a14:hiddenLine xmlns:a14="http://schemas.microsoft.com/office/drawing/2010/main" xmlns="" w="9525">
+                <a14:hiddenLine xmlns="" xmlns:a14="http://schemas.microsoft.com/office/drawing/2010/main" w="9525">
                   <a:solidFill>
                     <a:srgbClr val="000000"/>
                   </a:solidFill>
@@ -2609,7 +2609,7 @@
             </a:ln>
             <a:extLst>
               <a:ext uri="{91240B29-F687-4f45-9708-019B960494DF}">
-                <a14:hiddenLine xmlns:a14="http://schemas.microsoft.com/office/drawing/2010/main" xmlns="" w="9525">
+                <a14:hiddenLine xmlns="" xmlns:a14="http://schemas.microsoft.com/office/drawing/2010/main" w="9525">
                   <a:solidFill>
                     <a:srgbClr val="000000"/>
                   </a:solidFill>
@@ -2699,7 +2699,7 @@
             </a:ln>
             <a:extLst>
               <a:ext uri="{91240B29-F687-4f45-9708-019B960494DF}">
-                <a14:hiddenLine xmlns:a14="http://schemas.microsoft.com/office/drawing/2010/main" xmlns="" w="9525">
+                <a14:hiddenLine xmlns="" xmlns:a14="http://schemas.microsoft.com/office/drawing/2010/main" w="9525">
                   <a:solidFill>
                     <a:srgbClr val="000000"/>
                   </a:solidFill>
@@ -2767,7 +2767,7 @@
             </a:ln>
             <a:extLst>
               <a:ext uri="{91240B29-F687-4f45-9708-019B960494DF}">
-                <a14:hiddenLine xmlns:a14="http://schemas.microsoft.com/office/drawing/2010/main" xmlns="" w="9525">
+                <a14:hiddenLine xmlns="" xmlns:a14="http://schemas.microsoft.com/office/drawing/2010/main" w="9525">
                   <a:solidFill>
                     <a:srgbClr val="000000"/>
                   </a:solidFill>
@@ -2857,7 +2857,7 @@
             </a:ln>
             <a:extLst>
               <a:ext uri="{91240B29-F687-4f45-9708-019B960494DF}">
-                <a14:hiddenLine xmlns:a14="http://schemas.microsoft.com/office/drawing/2010/main" xmlns="" w="9525">
+                <a14:hiddenLine xmlns="" xmlns:a14="http://schemas.microsoft.com/office/drawing/2010/main" w="9525">
                   <a:solidFill>
                     <a:srgbClr val="000000"/>
                   </a:solidFill>
@@ -2891,7 +2891,7 @@
             </a:ln>
             <a:extLst>
               <a:ext uri="{91240B29-F687-4f45-9708-019B960494DF}">
-                <a14:hiddenLine xmlns:a14="http://schemas.microsoft.com/office/drawing/2010/main" xmlns="" w="9525">
+                <a14:hiddenLine xmlns="" xmlns:a14="http://schemas.microsoft.com/office/drawing/2010/main" w="9525">
                   <a:solidFill>
                     <a:srgbClr val="000000"/>
                   </a:solidFill>
@@ -2981,7 +2981,7 @@
             </a:ln>
             <a:extLst>
               <a:ext uri="{91240B29-F687-4f45-9708-019B960494DF}">
-                <a14:hiddenLine xmlns:a14="http://schemas.microsoft.com/office/drawing/2010/main" xmlns="" w="9525">
+                <a14:hiddenLine xmlns="" xmlns:a14="http://schemas.microsoft.com/office/drawing/2010/main" w="9525">
                   <a:solidFill>
                     <a:srgbClr val="000000"/>
                   </a:solidFill>
@@ -3043,7 +3043,7 @@
             </a:ln>
             <a:extLst>
               <a:ext uri="{91240B29-F687-4f45-9708-019B960494DF}">
-                <a14:hiddenLine xmlns:a14="http://schemas.microsoft.com/office/drawing/2010/main" xmlns="" w="9525">
+                <a14:hiddenLine xmlns="" xmlns:a14="http://schemas.microsoft.com/office/drawing/2010/main" w="9525">
                   <a:solidFill>
                     <a:srgbClr val="000000"/>
                   </a:solidFill>
@@ -3105,7 +3105,7 @@
             </a:ln>
             <a:extLst>
               <a:ext uri="{91240B29-F687-4f45-9708-019B960494DF}">
-                <a14:hiddenLine xmlns:a14="http://schemas.microsoft.com/office/drawing/2010/main" xmlns="" w="9525">
+                <a14:hiddenLine xmlns="" xmlns:a14="http://schemas.microsoft.com/office/drawing/2010/main" w="9525">
                   <a:solidFill>
                     <a:srgbClr val="000000"/>
                   </a:solidFill>
@@ -3195,7 +3195,7 @@
             </a:ln>
             <a:extLst>
               <a:ext uri="{91240B29-F687-4f45-9708-019B960494DF}">
-                <a14:hiddenLine xmlns:a14="http://schemas.microsoft.com/office/drawing/2010/main" xmlns="" w="9525">
+                <a14:hiddenLine xmlns="" xmlns:a14="http://schemas.microsoft.com/office/drawing/2010/main" w="9525">
                   <a:solidFill>
                     <a:srgbClr val="000000"/>
                   </a:solidFill>
@@ -3263,7 +3263,7 @@
             </a:ln>
             <a:extLst>
               <a:ext uri="{91240B29-F687-4f45-9708-019B960494DF}">
-                <a14:hiddenLine xmlns:a14="http://schemas.microsoft.com/office/drawing/2010/main" xmlns="" w="9525">
+                <a14:hiddenLine xmlns="" xmlns:a14="http://schemas.microsoft.com/office/drawing/2010/main" w="9525">
                   <a:solidFill>
                     <a:srgbClr val="000000"/>
                   </a:solidFill>
@@ -3325,7 +3325,7 @@
             </a:ln>
             <a:extLst>
               <a:ext uri="{91240B29-F687-4f45-9708-019B960494DF}">
-                <a14:hiddenLine xmlns:a14="http://schemas.microsoft.com/office/drawing/2010/main" xmlns="" w="9525">
+                <a14:hiddenLine xmlns="" xmlns:a14="http://schemas.microsoft.com/office/drawing/2010/main" w="9525">
                   <a:solidFill>
                     <a:srgbClr val="000000"/>
                   </a:solidFill>
@@ -3415,7 +3415,7 @@
             </a:ln>
             <a:extLst>
               <a:ext uri="{91240B29-F687-4f45-9708-019B960494DF}">
-                <a14:hiddenLine xmlns:a14="http://schemas.microsoft.com/office/drawing/2010/main" xmlns="" w="9525">
+                <a14:hiddenLine xmlns="" xmlns:a14="http://schemas.microsoft.com/office/drawing/2010/main" w="9525">
                   <a:solidFill>
                     <a:srgbClr val="000000"/>
                   </a:solidFill>
@@ -3477,7 +3477,7 @@
             </a:ln>
             <a:extLst>
               <a:ext uri="{91240B29-F687-4f45-9708-019B960494DF}">
-                <a14:hiddenLine xmlns:a14="http://schemas.microsoft.com/office/drawing/2010/main" xmlns="" w="9525">
+                <a14:hiddenLine xmlns="" xmlns:a14="http://schemas.microsoft.com/office/drawing/2010/main" w="9525">
                   <a:solidFill>
                     <a:srgbClr val="000000"/>
                   </a:solidFill>
@@ -3567,7 +3567,7 @@
             </a:ln>
             <a:extLst>
               <a:ext uri="{91240B29-F687-4f45-9708-019B960494DF}">
-                <a14:hiddenLine xmlns:a14="http://schemas.microsoft.com/office/drawing/2010/main" xmlns="" w="9525">
+                <a14:hiddenLine xmlns="" xmlns:a14="http://schemas.microsoft.com/office/drawing/2010/main" w="9525">
                   <a:solidFill>
                     <a:srgbClr val="000000"/>
                   </a:solidFill>
@@ -3629,7 +3629,7 @@
             </a:ln>
             <a:extLst>
               <a:ext uri="{91240B29-F687-4f45-9708-019B960494DF}">
-                <a14:hiddenLine xmlns:a14="http://schemas.microsoft.com/office/drawing/2010/main" xmlns="" w="9525">
+                <a14:hiddenLine xmlns="" xmlns:a14="http://schemas.microsoft.com/office/drawing/2010/main" w="9525">
                   <a:solidFill>
                     <a:srgbClr val="000000"/>
                   </a:solidFill>
@@ -3719,7 +3719,7 @@
             </a:ln>
             <a:extLst>
               <a:ext uri="{91240B29-F687-4f45-9708-019B960494DF}">
-                <a14:hiddenLine xmlns:a14="http://schemas.microsoft.com/office/drawing/2010/main" xmlns="" w="9525">
+                <a14:hiddenLine xmlns="" xmlns:a14="http://schemas.microsoft.com/office/drawing/2010/main" w="9525">
                   <a:solidFill>
                     <a:srgbClr val="000000"/>
                   </a:solidFill>
@@ -3753,7 +3753,7 @@
             </a:ln>
             <a:extLst>
               <a:ext uri="{91240B29-F687-4f45-9708-019B960494DF}">
-                <a14:hiddenLine xmlns:a14="http://schemas.microsoft.com/office/drawing/2010/main" xmlns="" w="9525">
+                <a14:hiddenLine xmlns="" xmlns:a14="http://schemas.microsoft.com/office/drawing/2010/main" w="9525">
                   <a:solidFill>
                     <a:srgbClr val="000000"/>
                   </a:solidFill>
@@ -3818,7 +3818,7 @@
             </a:ln>
             <a:extLst>
               <a:ext uri="{91240B29-F687-4f45-9708-019B960494DF}">
-                <a14:hiddenLine xmlns:a14="http://schemas.microsoft.com/office/drawing/2010/main" xmlns="" w="9525">
+                <a14:hiddenLine xmlns="" xmlns:a14="http://schemas.microsoft.com/office/drawing/2010/main" w="9525">
                   <a:solidFill>
                     <a:srgbClr val="000000"/>
                   </a:solidFill>
@@ -3908,7 +3908,7 @@
             </a:ln>
             <a:extLst>
               <a:ext uri="{91240B29-F687-4f45-9708-019B960494DF}">
-                <a14:hiddenLine xmlns:a14="http://schemas.microsoft.com/office/drawing/2010/main" xmlns="" w="9525">
+                <a14:hiddenLine xmlns="" xmlns:a14="http://schemas.microsoft.com/office/drawing/2010/main" w="9525">
                   <a:solidFill>
                     <a:srgbClr val="000000"/>
                   </a:solidFill>
@@ -3970,7 +3970,7 @@
             </a:ln>
             <a:extLst>
               <a:ext uri="{91240B29-F687-4f45-9708-019B960494DF}">
-                <a14:hiddenLine xmlns:a14="http://schemas.microsoft.com/office/drawing/2010/main" xmlns="" w="9525">
+                <a14:hiddenLine xmlns="" xmlns:a14="http://schemas.microsoft.com/office/drawing/2010/main" w="9525">
                   <a:solidFill>
                     <a:srgbClr val="000000"/>
                   </a:solidFill>
@@ -4060,7 +4060,7 @@
             </a:ln>
             <a:extLst>
               <a:ext uri="{91240B29-F687-4f45-9708-019B960494DF}">
-                <a14:hiddenLine xmlns:a14="http://schemas.microsoft.com/office/drawing/2010/main" xmlns="" w="9525">
+                <a14:hiddenLine xmlns="" xmlns:a14="http://schemas.microsoft.com/office/drawing/2010/main" w="9525">
                   <a:solidFill>
                     <a:srgbClr val="000000"/>
                   </a:solidFill>
@@ -4150,7 +4150,7 @@
             </a:ln>
             <a:extLst>
               <a:ext uri="{91240B29-F687-4f45-9708-019B960494DF}">
-                <a14:hiddenLine xmlns:a14="http://schemas.microsoft.com/office/drawing/2010/main" xmlns="" w="9525">
+                <a14:hiddenLine xmlns="" xmlns:a14="http://schemas.microsoft.com/office/drawing/2010/main" w="9525">
                   <a:solidFill>
                     <a:srgbClr val="000000"/>
                   </a:solidFill>
@@ -4215,7 +4215,7 @@
             </a:ln>
             <a:extLst>
               <a:ext uri="{91240B29-F687-4f45-9708-019B960494DF}">
-                <a14:hiddenLine xmlns:a14="http://schemas.microsoft.com/office/drawing/2010/main" xmlns="" w="9525">
+                <a14:hiddenLine xmlns="" xmlns:a14="http://schemas.microsoft.com/office/drawing/2010/main" w="9525">
                   <a:solidFill>
                     <a:srgbClr val="000000"/>
                   </a:solidFill>
@@ -4277,7 +4277,7 @@
             </a:ln>
             <a:extLst>
               <a:ext uri="{91240B29-F687-4f45-9708-019B960494DF}">
-                <a14:hiddenLine xmlns:a14="http://schemas.microsoft.com/office/drawing/2010/main" xmlns="" w="9525">
+                <a14:hiddenLine xmlns="" xmlns:a14="http://schemas.microsoft.com/office/drawing/2010/main" w="9525">
                   <a:solidFill>
                     <a:srgbClr val="000000"/>
                   </a:solidFill>
@@ -4367,7 +4367,7 @@
             </a:ln>
             <a:extLst>
               <a:ext uri="{91240B29-F687-4f45-9708-019B960494DF}">
-                <a14:hiddenLine xmlns:a14="http://schemas.microsoft.com/office/drawing/2010/main" xmlns="" w="9525">
+                <a14:hiddenLine xmlns="" xmlns:a14="http://schemas.microsoft.com/office/drawing/2010/main" w="9525">
                   <a:solidFill>
                     <a:srgbClr val="000000"/>
                   </a:solidFill>
@@ -4457,7 +4457,7 @@
             </a:ln>
             <a:extLst>
               <a:ext uri="{91240B29-F687-4f45-9708-019B960494DF}">
-                <a14:hiddenLine xmlns:a14="http://schemas.microsoft.com/office/drawing/2010/main" xmlns="" w="9525">
+                <a14:hiddenLine xmlns="" xmlns:a14="http://schemas.microsoft.com/office/drawing/2010/main" w="9525">
                   <a:solidFill>
                     <a:srgbClr val="000000"/>
                   </a:solidFill>
@@ -4519,7 +4519,7 @@
             </a:ln>
             <a:extLst>
               <a:ext uri="{91240B29-F687-4f45-9708-019B960494DF}">
-                <a14:hiddenLine xmlns:a14="http://schemas.microsoft.com/office/drawing/2010/main" xmlns="" w="9525">
+                <a14:hiddenLine xmlns="" xmlns:a14="http://schemas.microsoft.com/office/drawing/2010/main" w="9525">
                   <a:solidFill>
                     <a:srgbClr val="000000"/>
                   </a:solidFill>
@@ -4639,7 +4639,7 @@
             </a:ln>
             <a:extLst>
               <a:ext uri="{91240B29-F687-4f45-9708-019B960494DF}">
-                <a14:hiddenLine xmlns:a14="http://schemas.microsoft.com/office/drawing/2010/main" xmlns="" w="9525">
+                <a14:hiddenLine xmlns="" xmlns:a14="http://schemas.microsoft.com/office/drawing/2010/main" w="9525">
                   <a:solidFill>
                     <a:srgbClr val="000000"/>
                   </a:solidFill>
@@ -4707,7 +4707,7 @@
             </a:ln>
             <a:extLst>
               <a:ext uri="{91240B29-F687-4f45-9708-019B960494DF}">
-                <a14:hiddenLine xmlns:a14="http://schemas.microsoft.com/office/drawing/2010/main" xmlns="" w="9525">
+                <a14:hiddenLine xmlns="" xmlns:a14="http://schemas.microsoft.com/office/drawing/2010/main" w="9525">
                   <a:solidFill>
                     <a:srgbClr val="000000"/>
                   </a:solidFill>
@@ -4797,7 +4797,7 @@
             </a:ln>
             <a:extLst>
               <a:ext uri="{91240B29-F687-4f45-9708-019B960494DF}">
-                <a14:hiddenLine xmlns:a14="http://schemas.microsoft.com/office/drawing/2010/main" xmlns="" w="9525">
+                <a14:hiddenLine xmlns="" xmlns:a14="http://schemas.microsoft.com/office/drawing/2010/main" w="9525">
                   <a:solidFill>
                     <a:srgbClr val="000000"/>
                   </a:solidFill>
@@ -4937,7 +4937,7 @@
           <a:p>
             <a:fld id="{48A87A34-81AB-432B-8DAE-1953F412C126}" type="datetimeFigureOut">
               <a:rPr lang="en-US" dirty="0"/>
-              <a:t>3/6/2018</a:t>
+              <a:t>3/7/2018</a:t>
             </a:fld>
             <a:endParaRPr lang="en-US"/>
           </a:p>
@@ -5199,7 +5199,7 @@
           <a:p>
             <a:fld id="{48A87A34-81AB-432B-8DAE-1953F412C126}" type="datetimeFigureOut">
               <a:rPr lang="en-US" dirty="0"/>
-              <a:t>3/6/2018</a:t>
+              <a:t>3/7/2018</a:t>
             </a:fld>
             <a:endParaRPr lang="en-US"/>
           </a:p>
@@ -5390,7 +5390,7 @@
           <a:p>
             <a:fld id="{48A87A34-81AB-432B-8DAE-1953F412C126}" type="datetimeFigureOut">
               <a:rPr lang="en-US" dirty="0"/>
-              <a:t>3/6/2018</a:t>
+              <a:t>3/7/2018</a:t>
             </a:fld>
             <a:endParaRPr lang="en-US"/>
           </a:p>
@@ -5648,7 +5648,7 @@
           <a:p>
             <a:fld id="{48A87A34-81AB-432B-8DAE-1953F412C126}" type="datetimeFigureOut">
               <a:rPr lang="en-US" dirty="0"/>
-              <a:t>3/6/2018</a:t>
+              <a:t>3/7/2018</a:t>
             </a:fld>
             <a:endParaRPr lang="en-US"/>
           </a:p>
@@ -6077,7 +6077,7 @@
           <a:p>
             <a:fld id="{48A87A34-81AB-432B-8DAE-1953F412C126}" type="datetimeFigureOut">
               <a:rPr lang="en-US" dirty="0"/>
-              <a:t>3/6/2018</a:t>
+              <a:t>3/7/2018</a:t>
             </a:fld>
             <a:endParaRPr lang="en-US"/>
           </a:p>
@@ -6618,7 +6618,7 @@
           <a:p>
             <a:fld id="{48A87A34-81AB-432B-8DAE-1953F412C126}" type="datetimeFigureOut">
               <a:rPr lang="en-US" dirty="0"/>
-              <a:t>3/6/2018</a:t>
+              <a:t>3/7/2018</a:t>
             </a:fld>
             <a:endParaRPr lang="en-US"/>
           </a:p>
@@ -7333,7 +7333,7 @@
           <a:p>
             <a:fld id="{48A87A34-81AB-432B-8DAE-1953F412C126}" type="datetimeFigureOut">
               <a:rPr lang="en-US" dirty="0"/>
-              <a:t>3/6/2018</a:t>
+              <a:t>3/7/2018</a:t>
             </a:fld>
             <a:endParaRPr lang="en-US"/>
           </a:p>
@@ -7498,7 +7498,7 @@
           <a:p>
             <a:fld id="{48A87A34-81AB-432B-8DAE-1953F412C126}" type="datetimeFigureOut">
               <a:rPr lang="en-US" dirty="0"/>
-              <a:t>3/6/2018</a:t>
+              <a:t>3/7/2018</a:t>
             </a:fld>
             <a:endParaRPr lang="en-US"/>
           </a:p>
@@ -7673,7 +7673,7 @@
           <a:p>
             <a:fld id="{48A87A34-81AB-432B-8DAE-1953F412C126}" type="datetimeFigureOut">
               <a:rPr lang="en-US" dirty="0"/>
-              <a:t>3/6/2018</a:t>
+              <a:t>3/7/2018</a:t>
             </a:fld>
             <a:endParaRPr lang="en-US"/>
           </a:p>
@@ -7838,7 +7838,7 @@
           <a:p>
             <a:fld id="{48A87A34-81AB-432B-8DAE-1953F412C126}" type="datetimeFigureOut">
               <a:rPr lang="en-US" dirty="0"/>
-              <a:t>3/6/2018</a:t>
+              <a:t>3/7/2018</a:t>
             </a:fld>
             <a:endParaRPr lang="en-US"/>
           </a:p>
@@ -8083,7 +8083,7 @@
           <a:p>
             <a:fld id="{48A87A34-81AB-432B-8DAE-1953F412C126}" type="datetimeFigureOut">
               <a:rPr lang="en-US" dirty="0"/>
-              <a:t>3/6/2018</a:t>
+              <a:t>3/7/2018</a:t>
             </a:fld>
             <a:endParaRPr lang="en-US"/>
           </a:p>
@@ -8310,7 +8310,7 @@
           <a:p>
             <a:fld id="{48A87A34-81AB-432B-8DAE-1953F412C126}" type="datetimeFigureOut">
               <a:rPr lang="en-US" dirty="0"/>
-              <a:t>3/6/2018</a:t>
+              <a:t>3/7/2018</a:t>
             </a:fld>
             <a:endParaRPr lang="en-US"/>
           </a:p>
@@ -8686,7 +8686,7 @@
           <a:p>
             <a:fld id="{48A87A34-81AB-432B-8DAE-1953F412C126}" type="datetimeFigureOut">
               <a:rPr lang="en-US" dirty="0"/>
-              <a:t>3/6/2018</a:t>
+              <a:t>3/7/2018</a:t>
             </a:fld>
             <a:endParaRPr lang="en-US"/>
           </a:p>
@@ -8799,7 +8799,7 @@
           <a:p>
             <a:fld id="{48A87A34-81AB-432B-8DAE-1953F412C126}" type="datetimeFigureOut">
               <a:rPr lang="en-US" dirty="0"/>
-              <a:t>3/6/2018</a:t>
+              <a:t>3/7/2018</a:t>
             </a:fld>
             <a:endParaRPr lang="en-US"/>
           </a:p>
@@ -8889,7 +8889,7 @@
           <a:p>
             <a:fld id="{48A87A34-81AB-432B-8DAE-1953F412C126}" type="datetimeFigureOut">
               <a:rPr lang="en-US" dirty="0"/>
-              <a:t>3/6/2018</a:t>
+              <a:t>3/7/2018</a:t>
             </a:fld>
             <a:endParaRPr lang="en-US"/>
           </a:p>
@@ -9133,7 +9133,7 @@
           <a:p>
             <a:fld id="{48A87A34-81AB-432B-8DAE-1953F412C126}" type="datetimeFigureOut">
               <a:rPr lang="en-US" dirty="0"/>
-              <a:t>3/6/2018</a:t>
+              <a:t>3/7/2018</a:t>
             </a:fld>
             <a:endParaRPr lang="en-US"/>
           </a:p>
@@ -9408,7 +9408,7 @@
           <a:p>
             <a:fld id="{48A87A34-81AB-432B-8DAE-1953F412C126}" type="datetimeFigureOut">
               <a:rPr lang="en-US" dirty="0"/>
-              <a:t>3/6/2018</a:t>
+              <a:t>3/7/2018</a:t>
             </a:fld>
             <a:endParaRPr lang="en-US"/>
           </a:p>
@@ -9519,7 +9519,7 @@
           <a:noFill/>
           <a:extLst>
             <a:ext uri="{909E8E84-426E-40dd-AFC4-6F175D3DCCD1}">
-              <a14:hiddenFill xmlns:a14="http://schemas.microsoft.com/office/drawing/2010/main" xmlns="">
+              <a14:hiddenFill xmlns="" xmlns:a14="http://schemas.microsoft.com/office/drawing/2010/main">
                 <a:solidFill>
                   <a:srgbClr val="FFFFFF"/>
                 </a:solidFill>
@@ -9593,7 +9593,7 @@
               </a:ln>
               <a:extLst>
                 <a:ext uri="{91240B29-F687-4f45-9708-019B960494DF}">
-                  <a14:hiddenLine xmlns:a14="http://schemas.microsoft.com/office/drawing/2010/main" xmlns="" w="9525">
+                  <a14:hiddenLine xmlns="" xmlns:a14="http://schemas.microsoft.com/office/drawing/2010/main" w="9525">
                     <a:solidFill>
                       <a:srgbClr val="000000"/>
                     </a:solidFill>
@@ -9683,7 +9683,7 @@
               </a:ln>
               <a:extLst>
                 <a:ext uri="{91240B29-F687-4f45-9708-019B960494DF}">
-                  <a14:hiddenLine xmlns:a14="http://schemas.microsoft.com/office/drawing/2010/main" xmlns="" w="9525">
+                  <a14:hiddenLine xmlns="" xmlns:a14="http://schemas.microsoft.com/office/drawing/2010/main" w="9525">
                     <a:solidFill>
                       <a:srgbClr val="000000"/>
                     </a:solidFill>
@@ -9773,7 +9773,7 @@
               </a:ln>
               <a:extLst>
                 <a:ext uri="{91240B29-F687-4f45-9708-019B960494DF}">
-                  <a14:hiddenLine xmlns:a14="http://schemas.microsoft.com/office/drawing/2010/main" xmlns="" w="9525">
+                  <a14:hiddenLine xmlns="" xmlns:a14="http://schemas.microsoft.com/office/drawing/2010/main" w="9525">
                     <a:solidFill>
                       <a:srgbClr val="000000"/>
                     </a:solidFill>
@@ -9835,7 +9835,7 @@
               </a:ln>
               <a:extLst>
                 <a:ext uri="{91240B29-F687-4f45-9708-019B960494DF}">
-                  <a14:hiddenLine xmlns:a14="http://schemas.microsoft.com/office/drawing/2010/main" xmlns="" w="9525">
+                  <a14:hiddenLine xmlns="" xmlns:a14="http://schemas.microsoft.com/office/drawing/2010/main" w="9525">
                     <a:solidFill>
                       <a:srgbClr val="000000"/>
                     </a:solidFill>
@@ -9925,7 +9925,7 @@
               </a:ln>
               <a:extLst>
                 <a:ext uri="{91240B29-F687-4f45-9708-019B960494DF}">
-                  <a14:hiddenLine xmlns:a14="http://schemas.microsoft.com/office/drawing/2010/main" xmlns="" w="9525">
+                  <a14:hiddenLine xmlns="" xmlns:a14="http://schemas.microsoft.com/office/drawing/2010/main" w="9525">
                     <a:solidFill>
                       <a:srgbClr val="000000"/>
                     </a:solidFill>
@@ -9987,7 +9987,7 @@
               </a:ln>
               <a:extLst>
                 <a:ext uri="{91240B29-F687-4f45-9708-019B960494DF}">
-                  <a14:hiddenLine xmlns:a14="http://schemas.microsoft.com/office/drawing/2010/main" xmlns="" w="9525">
+                  <a14:hiddenLine xmlns="" xmlns:a14="http://schemas.microsoft.com/office/drawing/2010/main" w="9525">
                     <a:solidFill>
                       <a:srgbClr val="000000"/>
                     </a:solidFill>
@@ -10049,7 +10049,7 @@
               </a:ln>
               <a:extLst>
                 <a:ext uri="{91240B29-F687-4f45-9708-019B960494DF}">
-                  <a14:hiddenLine xmlns:a14="http://schemas.microsoft.com/office/drawing/2010/main" xmlns="" w="9525">
+                  <a14:hiddenLine xmlns="" xmlns:a14="http://schemas.microsoft.com/office/drawing/2010/main" w="9525">
                     <a:solidFill>
                       <a:srgbClr val="000000"/>
                     </a:solidFill>
@@ -10139,7 +10139,7 @@
               </a:ln>
               <a:extLst>
                 <a:ext uri="{91240B29-F687-4f45-9708-019B960494DF}">
-                  <a14:hiddenLine xmlns:a14="http://schemas.microsoft.com/office/drawing/2010/main" xmlns="" w="9525">
+                  <a14:hiddenLine xmlns="" xmlns:a14="http://schemas.microsoft.com/office/drawing/2010/main" w="9525">
                     <a:solidFill>
                       <a:srgbClr val="000000"/>
                     </a:solidFill>
@@ -10229,7 +10229,7 @@
               </a:ln>
               <a:extLst>
                 <a:ext uri="{91240B29-F687-4f45-9708-019B960494DF}">
-                  <a14:hiddenLine xmlns:a14="http://schemas.microsoft.com/office/drawing/2010/main" xmlns="" w="9525">
+                  <a14:hiddenLine xmlns="" xmlns:a14="http://schemas.microsoft.com/office/drawing/2010/main" w="9525">
                     <a:solidFill>
                       <a:srgbClr val="000000"/>
                     </a:solidFill>
@@ -10291,7 +10291,7 @@
               </a:ln>
               <a:extLst>
                 <a:ext uri="{91240B29-F687-4f45-9708-019B960494DF}">
-                  <a14:hiddenLine xmlns:a14="http://schemas.microsoft.com/office/drawing/2010/main" xmlns="" w="9525">
+                  <a14:hiddenLine xmlns="" xmlns:a14="http://schemas.microsoft.com/office/drawing/2010/main" w="9525">
                     <a:solidFill>
                       <a:srgbClr val="000000"/>
                     </a:solidFill>
@@ -10401,7 +10401,7 @@
               </a:ln>
               <a:extLst>
                 <a:ext uri="{91240B29-F687-4f45-9708-019B960494DF}">
-                  <a14:hiddenLine xmlns:a14="http://schemas.microsoft.com/office/drawing/2010/main" xmlns="" w="9525">
+                  <a14:hiddenLine xmlns="" xmlns:a14="http://schemas.microsoft.com/office/drawing/2010/main" w="9525">
                     <a:solidFill>
                       <a:srgbClr val="000000"/>
                     </a:solidFill>
@@ -10485,7 +10485,7 @@
               </a:ln>
               <a:extLst>
                 <a:ext uri="{91240B29-F687-4f45-9708-019B960494DF}">
-                  <a14:hiddenLine xmlns:a14="http://schemas.microsoft.com/office/drawing/2010/main" xmlns="" w="9525">
+                  <a14:hiddenLine xmlns="" xmlns:a14="http://schemas.microsoft.com/office/drawing/2010/main" w="9525">
                     <a:solidFill>
                       <a:srgbClr val="000000"/>
                     </a:solidFill>
@@ -10547,7 +10547,7 @@
               </a:ln>
               <a:extLst>
                 <a:ext uri="{91240B29-F687-4f45-9708-019B960494DF}">
-                  <a14:hiddenLine xmlns:a14="http://schemas.microsoft.com/office/drawing/2010/main" xmlns="" w="9525">
+                  <a14:hiddenLine xmlns="" xmlns:a14="http://schemas.microsoft.com/office/drawing/2010/main" w="9525">
                     <a:solidFill>
                       <a:srgbClr val="000000"/>
                     </a:solidFill>
@@ -10609,7 +10609,7 @@
               </a:ln>
               <a:extLst>
                 <a:ext uri="{91240B29-F687-4f45-9708-019B960494DF}">
-                  <a14:hiddenLine xmlns:a14="http://schemas.microsoft.com/office/drawing/2010/main" xmlns="" w="9525">
+                  <a14:hiddenLine xmlns="" xmlns:a14="http://schemas.microsoft.com/office/drawing/2010/main" w="9525">
                     <a:solidFill>
                       <a:srgbClr val="000000"/>
                     </a:solidFill>
@@ -10699,7 +10699,7 @@
               </a:ln>
               <a:extLst>
                 <a:ext uri="{91240B29-F687-4f45-9708-019B960494DF}">
-                  <a14:hiddenLine xmlns:a14="http://schemas.microsoft.com/office/drawing/2010/main" xmlns="" w="9525">
+                  <a14:hiddenLine xmlns="" xmlns:a14="http://schemas.microsoft.com/office/drawing/2010/main" w="9525">
                     <a:solidFill>
                       <a:srgbClr val="000000"/>
                     </a:solidFill>
@@ -10733,7 +10733,7 @@
               </a:ln>
               <a:extLst>
                 <a:ext uri="{91240B29-F687-4f45-9708-019B960494DF}">
-                  <a14:hiddenLine xmlns:a14="http://schemas.microsoft.com/office/drawing/2010/main" xmlns="" w="9525">
+                  <a14:hiddenLine xmlns="" xmlns:a14="http://schemas.microsoft.com/office/drawing/2010/main" w="9525">
                     <a:solidFill>
                       <a:srgbClr val="000000"/>
                     </a:solidFill>
@@ -10798,7 +10798,7 @@
               </a:ln>
               <a:extLst>
                 <a:ext uri="{91240B29-F687-4f45-9708-019B960494DF}">
-                  <a14:hiddenLine xmlns:a14="http://schemas.microsoft.com/office/drawing/2010/main" xmlns="" w="9525">
+                  <a14:hiddenLine xmlns="" xmlns:a14="http://schemas.microsoft.com/office/drawing/2010/main" w="9525">
                     <a:solidFill>
                       <a:srgbClr val="000000"/>
                     </a:solidFill>
@@ -10888,7 +10888,7 @@
               </a:ln>
               <a:extLst>
                 <a:ext uri="{91240B29-F687-4f45-9708-019B960494DF}">
-                  <a14:hiddenLine xmlns:a14="http://schemas.microsoft.com/office/drawing/2010/main" xmlns="" w="9525">
+                  <a14:hiddenLine xmlns="" xmlns:a14="http://schemas.microsoft.com/office/drawing/2010/main" w="9525">
                     <a:solidFill>
                       <a:srgbClr val="000000"/>
                     </a:solidFill>
@@ -10950,7 +10950,7 @@
               </a:ln>
               <a:extLst>
                 <a:ext uri="{91240B29-F687-4f45-9708-019B960494DF}">
-                  <a14:hiddenLine xmlns:a14="http://schemas.microsoft.com/office/drawing/2010/main" xmlns="" w="9525">
+                  <a14:hiddenLine xmlns="" xmlns:a14="http://schemas.microsoft.com/office/drawing/2010/main" w="9525">
                     <a:solidFill>
                       <a:srgbClr val="000000"/>
                     </a:solidFill>
@@ -11040,7 +11040,7 @@
               </a:ln>
               <a:extLst>
                 <a:ext uri="{91240B29-F687-4f45-9708-019B960494DF}">
-                  <a14:hiddenLine xmlns:a14="http://schemas.microsoft.com/office/drawing/2010/main" xmlns="" w="9525">
+                  <a14:hiddenLine xmlns="" xmlns:a14="http://schemas.microsoft.com/office/drawing/2010/main" w="9525">
                     <a:solidFill>
                       <a:srgbClr val="000000"/>
                     </a:solidFill>
@@ -11105,7 +11105,7 @@
               </a:ln>
               <a:extLst>
                 <a:ext uri="{91240B29-F687-4f45-9708-019B960494DF}">
-                  <a14:hiddenLine xmlns:a14="http://schemas.microsoft.com/office/drawing/2010/main" xmlns="" w="9525">
+                  <a14:hiddenLine xmlns="" xmlns:a14="http://schemas.microsoft.com/office/drawing/2010/main" w="9525">
                     <a:solidFill>
                       <a:srgbClr val="000000"/>
                     </a:solidFill>
@@ -11167,7 +11167,7 @@
               </a:ln>
               <a:extLst>
                 <a:ext uri="{91240B29-F687-4f45-9708-019B960494DF}">
-                  <a14:hiddenLine xmlns:a14="http://schemas.microsoft.com/office/drawing/2010/main" xmlns="" w="9525">
+                  <a14:hiddenLine xmlns="" xmlns:a14="http://schemas.microsoft.com/office/drawing/2010/main" w="9525">
                     <a:solidFill>
                       <a:srgbClr val="000000"/>
                     </a:solidFill>
@@ -11257,7 +11257,7 @@
               </a:ln>
               <a:extLst>
                 <a:ext uri="{91240B29-F687-4f45-9708-019B960494DF}">
-                  <a14:hiddenLine xmlns:a14="http://schemas.microsoft.com/office/drawing/2010/main" xmlns="" w="9525">
+                  <a14:hiddenLine xmlns="" xmlns:a14="http://schemas.microsoft.com/office/drawing/2010/main" w="9525">
                     <a:solidFill>
                       <a:srgbClr val="000000"/>
                     </a:solidFill>
@@ -11347,7 +11347,7 @@
               </a:ln>
               <a:extLst>
                 <a:ext uri="{91240B29-F687-4f45-9708-019B960494DF}">
-                  <a14:hiddenLine xmlns:a14="http://schemas.microsoft.com/office/drawing/2010/main" xmlns="" w="9525">
+                  <a14:hiddenLine xmlns="" xmlns:a14="http://schemas.microsoft.com/office/drawing/2010/main" w="9525">
                     <a:solidFill>
                       <a:srgbClr val="000000"/>
                     </a:solidFill>
@@ -11412,7 +11412,7 @@
               </a:ln>
               <a:extLst>
                 <a:ext uri="{91240B29-F687-4f45-9708-019B960494DF}">
-                  <a14:hiddenLine xmlns:a14="http://schemas.microsoft.com/office/drawing/2010/main" xmlns="" w="9525">
+                  <a14:hiddenLine xmlns="" xmlns:a14="http://schemas.microsoft.com/office/drawing/2010/main" w="9525">
                     <a:solidFill>
                       <a:srgbClr val="000000"/>
                     </a:solidFill>
@@ -11532,7 +11532,7 @@
               </a:ln>
               <a:extLst>
                 <a:ext uri="{91240B29-F687-4f45-9708-019B960494DF}">
-                  <a14:hiddenLine xmlns:a14="http://schemas.microsoft.com/office/drawing/2010/main" xmlns="" w="9525">
+                  <a14:hiddenLine xmlns="" xmlns:a14="http://schemas.microsoft.com/office/drawing/2010/main" w="9525">
                     <a:solidFill>
                       <a:srgbClr val="000000"/>
                     </a:solidFill>
@@ -11630,7 +11630,7 @@
               </a:ln>
               <a:extLst>
                 <a:ext uri="{91240B29-F687-4f45-9708-019B960494DF}">
-                  <a14:hiddenLine xmlns:a14="http://schemas.microsoft.com/office/drawing/2010/main" xmlns="" w="9525">
+                  <a14:hiddenLine xmlns="" xmlns:a14="http://schemas.microsoft.com/office/drawing/2010/main" w="9525">
                     <a:solidFill>
                       <a:srgbClr val="000000"/>
                     </a:solidFill>
@@ -11745,7 +11745,7 @@
               </a:ln>
               <a:extLst>
                 <a:ext uri="{91240B29-F687-4f45-9708-019B960494DF}">
-                  <a14:hiddenLine xmlns:a14="http://schemas.microsoft.com/office/drawing/2010/main" xmlns="" w="9525">
+                  <a14:hiddenLine xmlns="" xmlns:a14="http://schemas.microsoft.com/office/drawing/2010/main" w="9525">
                     <a:solidFill>
                       <a:srgbClr val="000000"/>
                     </a:solidFill>
@@ -11835,7 +11835,7 @@
               </a:ln>
               <a:extLst>
                 <a:ext uri="{91240B29-F687-4f45-9708-019B960494DF}">
-                  <a14:hiddenLine xmlns:a14="http://schemas.microsoft.com/office/drawing/2010/main" xmlns="" w="9525">
+                  <a14:hiddenLine xmlns="" xmlns:a14="http://schemas.microsoft.com/office/drawing/2010/main" w="9525">
                     <a:solidFill>
                       <a:srgbClr val="000000"/>
                     </a:solidFill>
@@ -11900,7 +11900,7 @@
               </a:ln>
               <a:extLst>
                 <a:ext uri="{91240B29-F687-4f45-9708-019B960494DF}">
-                  <a14:hiddenLine xmlns:a14="http://schemas.microsoft.com/office/drawing/2010/main" xmlns="" w="9525">
+                  <a14:hiddenLine xmlns="" xmlns:a14="http://schemas.microsoft.com/office/drawing/2010/main" w="9525">
                     <a:solidFill>
                       <a:srgbClr val="000000"/>
                     </a:solidFill>
@@ -11990,7 +11990,7 @@
               </a:ln>
               <a:extLst>
                 <a:ext uri="{91240B29-F687-4f45-9708-019B960494DF}">
-                  <a14:hiddenLine xmlns:a14="http://schemas.microsoft.com/office/drawing/2010/main" xmlns="" w="9525">
+                  <a14:hiddenLine xmlns="" xmlns:a14="http://schemas.microsoft.com/office/drawing/2010/main" w="9525">
                     <a:solidFill>
                       <a:srgbClr val="000000"/>
                     </a:solidFill>
@@ -12058,7 +12058,7 @@
               </a:ln>
               <a:extLst>
                 <a:ext uri="{91240B29-F687-4f45-9708-019B960494DF}">
-                  <a14:hiddenLine xmlns:a14="http://schemas.microsoft.com/office/drawing/2010/main" xmlns="" w="9525">
+                  <a14:hiddenLine xmlns="" xmlns:a14="http://schemas.microsoft.com/office/drawing/2010/main" w="9525">
                     <a:solidFill>
                       <a:srgbClr val="000000"/>
                     </a:solidFill>
@@ -12148,7 +12148,7 @@
               </a:ln>
               <a:extLst>
                 <a:ext uri="{91240B29-F687-4f45-9708-019B960494DF}">
-                  <a14:hiddenLine xmlns:a14="http://schemas.microsoft.com/office/drawing/2010/main" xmlns="" w="9525">
+                  <a14:hiddenLine xmlns="" xmlns:a14="http://schemas.microsoft.com/office/drawing/2010/main" w="9525">
                     <a:solidFill>
                       <a:srgbClr val="000000"/>
                     </a:solidFill>
@@ -12216,7 +12216,7 @@
               </a:ln>
               <a:extLst>
                 <a:ext uri="{91240B29-F687-4f45-9708-019B960494DF}">
-                  <a14:hiddenLine xmlns:a14="http://schemas.microsoft.com/office/drawing/2010/main" xmlns="" w="9525">
+                  <a14:hiddenLine xmlns="" xmlns:a14="http://schemas.microsoft.com/office/drawing/2010/main" w="9525">
                     <a:solidFill>
                       <a:srgbClr val="000000"/>
                     </a:solidFill>
@@ -12306,7 +12306,7 @@
               </a:ln>
               <a:extLst>
                 <a:ext uri="{91240B29-F687-4f45-9708-019B960494DF}">
-                  <a14:hiddenLine xmlns:a14="http://schemas.microsoft.com/office/drawing/2010/main" xmlns="" w="9525">
+                  <a14:hiddenLine xmlns="" xmlns:a14="http://schemas.microsoft.com/office/drawing/2010/main" w="9525">
                     <a:solidFill>
                       <a:srgbClr val="000000"/>
                     </a:solidFill>
@@ -12340,7 +12340,7 @@
               </a:ln>
               <a:extLst>
                 <a:ext uri="{91240B29-F687-4f45-9708-019B960494DF}">
-                  <a14:hiddenLine xmlns:a14="http://schemas.microsoft.com/office/drawing/2010/main" xmlns="" w="9525">
+                  <a14:hiddenLine xmlns="" xmlns:a14="http://schemas.microsoft.com/office/drawing/2010/main" w="9525">
                     <a:solidFill>
                       <a:srgbClr val="000000"/>
                     </a:solidFill>
@@ -12481,7 +12481,7 @@
             <a:fld id="{48A87A34-81AB-432B-8DAE-1953F412C126}" type="datetimeFigureOut">
               <a:rPr lang="en-US" dirty="0"/>
               <a:pPr/>
-              <a:t>3/6/2018</a:t>
+              <a:t>3/7/2018</a:t>
             </a:fld>
             <a:endParaRPr lang="en-US"/>
           </a:p>
@@ -14224,8 +14224,85 @@
           <a:lstStyle/>
           <a:p>
             <a:r>
-              <a:rPr lang="fi-FI"/>
+              <a:rPr lang="fi-FI" dirty="0"/>
               <a:t>Datan kirjoitus tietokantaan 1min välein/asiakassovellus		</a:t>
+            </a:r>
+            <a:r>
+              <a:rPr lang="fi-FI" dirty="0">
+                <a:sym typeface="Wingdings" panose="05000000000000000000" pitchFamily="2" charset="2"/>
+              </a:rPr>
+              <a:t> Valmis</a:t>
+            </a:r>
+            <a:endParaRPr lang="fi-FI" dirty="0"/>
+          </a:p>
+          <a:p>
+            <a:r>
+              <a:rPr lang="fi-FI" dirty="0"/>
+              <a:t>Tietokannassa 1000 riviä dataa					</a:t>
+            </a:r>
+            <a:r>
+              <a:rPr lang="fi-FI" dirty="0">
+                <a:sym typeface="Wingdings" panose="05000000000000000000" pitchFamily="2" charset="2"/>
+              </a:rPr>
+              <a:t> Valmis</a:t>
+            </a:r>
+            <a:endParaRPr lang="fi-FI" dirty="0"/>
+          </a:p>
+          <a:p>
+            <a:r>
+              <a:rPr lang="fi-FI" dirty="0"/>
+              <a:t>Tarkempi haku tietokannasta					</a:t>
+            </a:r>
+            <a:r>
+              <a:rPr lang="fi-FI" dirty="0">
+                <a:sym typeface="Wingdings" panose="05000000000000000000" pitchFamily="2" charset="2"/>
+              </a:rPr>
+              <a:t> Valmis</a:t>
+            </a:r>
+            <a:endParaRPr lang="en-US" dirty="0"/>
+          </a:p>
+          <a:p>
+            <a:pPr lvl="1">
+              <a:buFont typeface="Arial"/>
+            </a:pPr>
+            <a:r>
+              <a:rPr lang="fi-FI" dirty="0"/>
+              <a:t>Haku päiväyksellä</a:t>
+            </a:r>
+            <a:endParaRPr lang="en-US" dirty="0"/>
+          </a:p>
+          <a:p>
+            <a:pPr lvl="1">
+              <a:buFont typeface="Arial"/>
+            </a:pPr>
+            <a:r>
+              <a:rPr lang="fi-FI" dirty="0"/>
+              <a:t>Haku järjestettynä lämpötilojen mukaan</a:t>
+            </a:r>
+          </a:p>
+          <a:p>
+            <a:pPr>
+              <a:buFont typeface="Arial"/>
+            </a:pPr>
+            <a:r>
+              <a:rPr lang="fi-FI" dirty="0"/>
+              <a:t>Wiki (dokumentointi)							</a:t>
+            </a:r>
+            <a:r>
+              <a:rPr lang="fi-FI" dirty="0">
+                <a:sym typeface="Wingdings" panose="05000000000000000000" pitchFamily="2" charset="2"/>
+              </a:rPr>
+              <a:t> Valmis</a:t>
+            </a:r>
+            <a:endParaRPr lang="fi-FI" dirty="0"/>
+          </a:p>
+          <a:p>
+            <a:pPr>
+              <a:buFont typeface="Arial"/>
+            </a:pPr>
+            <a:r>
+              <a:rPr lang="fi-FI" dirty="0"/>
+              <a:t>Ohjelmistotestaus							</a:t>
             </a:r>
             <a:r>
               <a:rPr lang="fi-FI">
@@ -14233,71 +14310,13 @@
               </a:rPr>
               <a:t> Valmis</a:t>
             </a:r>
-            <a:endParaRPr lang="fi-FI"/>
-          </a:p>
-          <a:p>
-            <a:r>
-              <a:rPr lang="fi-FI"/>
-              <a:t>Tietokannassa 1000 riviä dataa					</a:t>
-            </a:r>
-            <a:r>
-              <a:rPr lang="fi-FI">
-                <a:sym typeface="Wingdings" panose="05000000000000000000" pitchFamily="2" charset="2"/>
-              </a:rPr>
-              <a:t> Valmis</a:t>
-            </a:r>
-            <a:endParaRPr lang="fi-FI"/>
-          </a:p>
-          <a:p>
-            <a:r>
-              <a:rPr lang="fi-FI"/>
-              <a:t>Tarkempi haku tietokannasta</a:t>
-            </a:r>
-            <a:endParaRPr lang="en-US"/>
-          </a:p>
-          <a:p>
-            <a:pPr lvl="1">
-              <a:buFont typeface="Arial"/>
-            </a:pPr>
-            <a:r>
-              <a:rPr lang="fi-FI"/>
-              <a:t>Haku päiväyksellä</a:t>
-            </a:r>
-            <a:endParaRPr lang="en-US"/>
-          </a:p>
-          <a:p>
-            <a:pPr lvl="1">
-              <a:buFont typeface="Arial"/>
-            </a:pPr>
-            <a:r>
-              <a:rPr lang="fi-FI"/>
-              <a:t>Haku järjestettynä lämpötilojen mukaan</a:t>
-            </a:r>
-          </a:p>
-          <a:p>
-            <a:pPr>
-              <a:buFont typeface="Arial"/>
-            </a:pPr>
-            <a:r>
-              <a:rPr lang="fi-FI"/>
-              <a:t>Wiki (dokumentointi)</a:t>
-            </a:r>
-          </a:p>
-          <a:p>
-            <a:pPr>
-              <a:buFont typeface="Arial"/>
-            </a:pPr>
-            <a:r>
-              <a:rPr lang="fi-FI"/>
-              <a:t>Ohjelmistotestaus</a:t>
-            </a:r>
-            <a:endParaRPr lang="en-US"/>
-          </a:p>
-          <a:p>
-            <a:endParaRPr lang="fi-FI"/>
-          </a:p>
-          <a:p>
-            <a:endParaRPr lang="fi-FI"/>
+            <a:endParaRPr lang="en-US" dirty="0"/>
+          </a:p>
+          <a:p>
+            <a:endParaRPr lang="fi-FI" dirty="0"/>
+          </a:p>
+          <a:p>
+            <a:endParaRPr lang="fi-FI" dirty="0"/>
           </a:p>
         </p:txBody>
       </p:sp>

--- a/java/Ryhmä 9 - Lämpötilaseuranta v5.pptx
+++ b/java/Ryhmä 9 - Lämpötilaseuranta v5.pptx
@@ -5,7 +5,7 @@
     <p:sldMasterId id="2147483648" r:id="rId1"/>
   </p:sldMasterIdLst>
   <p:notesMasterIdLst>
-    <p:notesMasterId r:id="rId11"/>
+    <p:notesMasterId r:id="rId12"/>
   </p:notesMasterIdLst>
   <p:sldIdLst>
     <p:sldId id="256" r:id="rId2"/>
@@ -17,6 +17,7 @@
     <p:sldId id="260" r:id="rId8"/>
     <p:sldId id="264" r:id="rId9"/>
     <p:sldId id="261" r:id="rId10"/>
+    <p:sldId id="265" r:id="rId11"/>
   </p:sldIdLst>
   <p:sldSz cx="12192000" cy="6858000"/>
   <p:notesSz cx="6858000" cy="9144000"/>
@@ -129,6 +130,7 @@
             <p14:sldId id="260"/>
             <p14:sldId id="264"/>
             <p14:sldId id="261"/>
+            <p14:sldId id="265"/>
           </p14:sldIdLst>
         </p14:section>
       </p14:sectionLst>
@@ -222,7 +224,7 @@
           <a:p>
             <a:fld id="{B7584FA8-6991-450F-A0BA-FF09BEC0681A}" type="datetimeFigureOut">
               <a:rPr lang="en-US" smtClean="0"/>
-              <a:t>3/7/2018</a:t>
+              <a:t>3/9/2018</a:t>
             </a:fld>
             <a:endParaRPr lang="en-US"/>
           </a:p>
@@ -711,7 +713,7 @@
           <a:noFill/>
           <a:extLst>
             <a:ext uri="{909E8E84-426E-40dd-AFC4-6F175D3DCCD1}">
-              <a14:hiddenFill xmlns="" xmlns:a14="http://schemas.microsoft.com/office/drawing/2010/main">
+              <a14:hiddenFill xmlns:a14="http://schemas.microsoft.com/office/drawing/2010/main" xmlns="">
                 <a:solidFill>
                   <a:srgbClr val="FFFFFF"/>
                 </a:solidFill>
@@ -771,7 +773,7 @@
             </a:ln>
             <a:extLst>
               <a:ext uri="{91240B29-F687-4f45-9708-019B960494DF}">
-                <a14:hiddenLine xmlns="" xmlns:a14="http://schemas.microsoft.com/office/drawing/2010/main" w="9525">
+                <a14:hiddenLine xmlns:a14="http://schemas.microsoft.com/office/drawing/2010/main" xmlns="" w="9525">
                   <a:solidFill>
                     <a:srgbClr val="000000"/>
                   </a:solidFill>
@@ -861,7 +863,7 @@
             </a:ln>
             <a:extLst>
               <a:ext uri="{91240B29-F687-4f45-9708-019B960494DF}">
-                <a14:hiddenLine xmlns="" xmlns:a14="http://schemas.microsoft.com/office/drawing/2010/main" w="9525">
+                <a14:hiddenLine xmlns:a14="http://schemas.microsoft.com/office/drawing/2010/main" xmlns="" w="9525">
                   <a:solidFill>
                     <a:srgbClr val="000000"/>
                   </a:solidFill>
@@ -951,7 +953,7 @@
             </a:ln>
             <a:extLst>
               <a:ext uri="{91240B29-F687-4f45-9708-019B960494DF}">
-                <a14:hiddenLine xmlns="" xmlns:a14="http://schemas.microsoft.com/office/drawing/2010/main" w="9525">
+                <a14:hiddenLine xmlns:a14="http://schemas.microsoft.com/office/drawing/2010/main" xmlns="" w="9525">
                   <a:solidFill>
                     <a:srgbClr val="000000"/>
                   </a:solidFill>
@@ -985,7 +987,7 @@
             </a:ln>
             <a:extLst>
               <a:ext uri="{91240B29-F687-4f45-9708-019B960494DF}">
-                <a14:hiddenLine xmlns="" xmlns:a14="http://schemas.microsoft.com/office/drawing/2010/main" w="9525">
+                <a14:hiddenLine xmlns:a14="http://schemas.microsoft.com/office/drawing/2010/main" xmlns="" w="9525">
                   <a:solidFill>
                     <a:srgbClr val="000000"/>
                   </a:solidFill>
@@ -1075,7 +1077,7 @@
             </a:ln>
             <a:extLst>
               <a:ext uri="{91240B29-F687-4f45-9708-019B960494DF}">
-                <a14:hiddenLine xmlns="" xmlns:a14="http://schemas.microsoft.com/office/drawing/2010/main" w="9525">
+                <a14:hiddenLine xmlns:a14="http://schemas.microsoft.com/office/drawing/2010/main" xmlns="" w="9525">
                   <a:solidFill>
                     <a:srgbClr val="000000"/>
                   </a:solidFill>
@@ -1137,7 +1139,7 @@
             </a:ln>
             <a:extLst>
               <a:ext uri="{91240B29-F687-4f45-9708-019B960494DF}">
-                <a14:hiddenLine xmlns="" xmlns:a14="http://schemas.microsoft.com/office/drawing/2010/main" w="9525">
+                <a14:hiddenLine xmlns:a14="http://schemas.microsoft.com/office/drawing/2010/main" xmlns="" w="9525">
                   <a:solidFill>
                     <a:srgbClr val="000000"/>
                   </a:solidFill>
@@ -1199,7 +1201,7 @@
             </a:ln>
             <a:extLst>
               <a:ext uri="{91240B29-F687-4f45-9708-019B960494DF}">
-                <a14:hiddenLine xmlns="" xmlns:a14="http://schemas.microsoft.com/office/drawing/2010/main" w="9525">
+                <a14:hiddenLine xmlns:a14="http://schemas.microsoft.com/office/drawing/2010/main" xmlns="" w="9525">
                   <a:solidFill>
                     <a:srgbClr val="000000"/>
                   </a:solidFill>
@@ -1289,7 +1291,7 @@
             </a:ln>
             <a:extLst>
               <a:ext uri="{91240B29-F687-4f45-9708-019B960494DF}">
-                <a14:hiddenLine xmlns="" xmlns:a14="http://schemas.microsoft.com/office/drawing/2010/main" w="9525">
+                <a14:hiddenLine xmlns:a14="http://schemas.microsoft.com/office/drawing/2010/main" xmlns="" w="9525">
                   <a:solidFill>
                     <a:srgbClr val="000000"/>
                   </a:solidFill>
@@ -1351,7 +1353,7 @@
             </a:ln>
             <a:extLst>
               <a:ext uri="{91240B29-F687-4f45-9708-019B960494DF}">
-                <a14:hiddenLine xmlns="" xmlns:a14="http://schemas.microsoft.com/office/drawing/2010/main" w="9525">
+                <a14:hiddenLine xmlns:a14="http://schemas.microsoft.com/office/drawing/2010/main" xmlns="" w="9525">
                   <a:solidFill>
                     <a:srgbClr val="000000"/>
                   </a:solidFill>
@@ -1413,7 +1415,7 @@
             </a:ln>
             <a:extLst>
               <a:ext uri="{91240B29-F687-4f45-9708-019B960494DF}">
-                <a14:hiddenLine xmlns="" xmlns:a14="http://schemas.microsoft.com/office/drawing/2010/main" w="9525">
+                <a14:hiddenLine xmlns:a14="http://schemas.microsoft.com/office/drawing/2010/main" xmlns="" w="9525">
                   <a:solidFill>
                     <a:srgbClr val="000000"/>
                   </a:solidFill>
@@ -1503,7 +1505,7 @@
             </a:ln>
             <a:extLst>
               <a:ext uri="{91240B29-F687-4f45-9708-019B960494DF}">
-                <a14:hiddenLine xmlns="" xmlns:a14="http://schemas.microsoft.com/office/drawing/2010/main" w="9525">
+                <a14:hiddenLine xmlns:a14="http://schemas.microsoft.com/office/drawing/2010/main" xmlns="" w="9525">
                   <a:solidFill>
                     <a:srgbClr val="000000"/>
                   </a:solidFill>
@@ -1593,7 +1595,7 @@
             </a:ln>
             <a:extLst>
               <a:ext uri="{91240B29-F687-4f45-9708-019B960494DF}">
-                <a14:hiddenLine xmlns="" xmlns:a14="http://schemas.microsoft.com/office/drawing/2010/main" w="9525">
+                <a14:hiddenLine xmlns:a14="http://schemas.microsoft.com/office/drawing/2010/main" xmlns="" w="9525">
                   <a:solidFill>
                     <a:srgbClr val="000000"/>
                   </a:solidFill>
@@ -1655,7 +1657,7 @@
             </a:ln>
             <a:extLst>
               <a:ext uri="{91240B29-F687-4f45-9708-019B960494DF}">
-                <a14:hiddenLine xmlns="" xmlns:a14="http://schemas.microsoft.com/office/drawing/2010/main" w="9525">
+                <a14:hiddenLine xmlns:a14="http://schemas.microsoft.com/office/drawing/2010/main" xmlns="" w="9525">
                   <a:solidFill>
                     <a:srgbClr val="000000"/>
                   </a:solidFill>
@@ -1765,7 +1767,7 @@
             </a:ln>
             <a:extLst>
               <a:ext uri="{91240B29-F687-4f45-9708-019B960494DF}">
-                <a14:hiddenLine xmlns="" xmlns:a14="http://schemas.microsoft.com/office/drawing/2010/main" w="9525">
+                <a14:hiddenLine xmlns:a14="http://schemas.microsoft.com/office/drawing/2010/main" xmlns="" w="9525">
                   <a:solidFill>
                     <a:srgbClr val="000000"/>
                   </a:solidFill>
@@ -1827,7 +1829,7 @@
             </a:ln>
             <a:extLst>
               <a:ext uri="{91240B29-F687-4f45-9708-019B960494DF}">
-                <a14:hiddenLine xmlns="" xmlns:a14="http://schemas.microsoft.com/office/drawing/2010/main" w="9525">
+                <a14:hiddenLine xmlns:a14="http://schemas.microsoft.com/office/drawing/2010/main" xmlns="" w="9525">
                   <a:solidFill>
                     <a:srgbClr val="000000"/>
                   </a:solidFill>
@@ -1917,7 +1919,7 @@
             </a:ln>
             <a:extLst>
               <a:ext uri="{91240B29-F687-4f45-9708-019B960494DF}">
-                <a14:hiddenLine xmlns="" xmlns:a14="http://schemas.microsoft.com/office/drawing/2010/main" w="9525">
+                <a14:hiddenLine xmlns:a14="http://schemas.microsoft.com/office/drawing/2010/main" xmlns="" w="9525">
                   <a:solidFill>
                     <a:srgbClr val="000000"/>
                   </a:solidFill>
@@ -2007,7 +2009,7 @@
             </a:ln>
             <a:extLst>
               <a:ext uri="{91240B29-F687-4f45-9708-019B960494DF}">
-                <a14:hiddenLine xmlns="" xmlns:a14="http://schemas.microsoft.com/office/drawing/2010/main" w="9525">
+                <a14:hiddenLine xmlns:a14="http://schemas.microsoft.com/office/drawing/2010/main" xmlns="" w="9525">
                   <a:solidFill>
                     <a:srgbClr val="000000"/>
                   </a:solidFill>
@@ -2069,7 +2071,7 @@
             </a:ln>
             <a:extLst>
               <a:ext uri="{91240B29-F687-4f45-9708-019B960494DF}">
-                <a14:hiddenLine xmlns="" xmlns:a14="http://schemas.microsoft.com/office/drawing/2010/main" w="9525">
+                <a14:hiddenLine xmlns:a14="http://schemas.microsoft.com/office/drawing/2010/main" xmlns="" w="9525">
                   <a:solidFill>
                     <a:srgbClr val="000000"/>
                   </a:solidFill>
@@ -2159,7 +2161,7 @@
             </a:ln>
             <a:extLst>
               <a:ext uri="{91240B29-F687-4f45-9708-019B960494DF}">
-                <a14:hiddenLine xmlns="" xmlns:a14="http://schemas.microsoft.com/office/drawing/2010/main" w="9525">
+                <a14:hiddenLine xmlns:a14="http://schemas.microsoft.com/office/drawing/2010/main" xmlns="" w="9525">
                   <a:solidFill>
                     <a:srgbClr val="000000"/>
                   </a:solidFill>
@@ -2249,7 +2251,7 @@
             </a:ln>
             <a:extLst>
               <a:ext uri="{91240B29-F687-4f45-9708-019B960494DF}">
-                <a14:hiddenLine xmlns="" xmlns:a14="http://schemas.microsoft.com/office/drawing/2010/main" w="9525">
+                <a14:hiddenLine xmlns:a14="http://schemas.microsoft.com/office/drawing/2010/main" xmlns="" w="9525">
                   <a:solidFill>
                     <a:srgbClr val="000000"/>
                   </a:solidFill>
@@ -2305,7 +2307,7 @@
             </a:ln>
             <a:extLst>
               <a:ext uri="{91240B29-F687-4f45-9708-019B960494DF}">
-                <a14:hiddenLine xmlns="" xmlns:a14="http://schemas.microsoft.com/office/drawing/2010/main" w="9525">
+                <a14:hiddenLine xmlns:a14="http://schemas.microsoft.com/office/drawing/2010/main" xmlns="" w="9525">
                   <a:solidFill>
                     <a:srgbClr val="000000"/>
                   </a:solidFill>
@@ -2395,7 +2397,7 @@
             </a:ln>
             <a:extLst>
               <a:ext uri="{91240B29-F687-4f45-9708-019B960494DF}">
-                <a14:hiddenLine xmlns="" xmlns:a14="http://schemas.microsoft.com/office/drawing/2010/main" w="9525">
+                <a14:hiddenLine xmlns:a14="http://schemas.microsoft.com/office/drawing/2010/main" xmlns="" w="9525">
                   <a:solidFill>
                     <a:srgbClr val="000000"/>
                   </a:solidFill>
@@ -2451,7 +2453,7 @@
             </a:ln>
             <a:extLst>
               <a:ext uri="{91240B29-F687-4f45-9708-019B960494DF}">
-                <a14:hiddenLine xmlns="" xmlns:a14="http://schemas.microsoft.com/office/drawing/2010/main" w="9525">
+                <a14:hiddenLine xmlns:a14="http://schemas.microsoft.com/office/drawing/2010/main" xmlns="" w="9525">
                   <a:solidFill>
                     <a:srgbClr val="000000"/>
                   </a:solidFill>
@@ -2541,7 +2543,7 @@
             </a:ln>
             <a:extLst>
               <a:ext uri="{91240B29-F687-4f45-9708-019B960494DF}">
-                <a14:hiddenLine xmlns="" xmlns:a14="http://schemas.microsoft.com/office/drawing/2010/main" w="9525">
+                <a14:hiddenLine xmlns:a14="http://schemas.microsoft.com/office/drawing/2010/main" xmlns="" w="9525">
                   <a:solidFill>
                     <a:srgbClr val="000000"/>
                   </a:solidFill>
@@ -2609,7 +2611,7 @@
             </a:ln>
             <a:extLst>
               <a:ext uri="{91240B29-F687-4f45-9708-019B960494DF}">
-                <a14:hiddenLine xmlns="" xmlns:a14="http://schemas.microsoft.com/office/drawing/2010/main" w="9525">
+                <a14:hiddenLine xmlns:a14="http://schemas.microsoft.com/office/drawing/2010/main" xmlns="" w="9525">
                   <a:solidFill>
                     <a:srgbClr val="000000"/>
                   </a:solidFill>
@@ -2699,7 +2701,7 @@
             </a:ln>
             <a:extLst>
               <a:ext uri="{91240B29-F687-4f45-9708-019B960494DF}">
-                <a14:hiddenLine xmlns="" xmlns:a14="http://schemas.microsoft.com/office/drawing/2010/main" w="9525">
+                <a14:hiddenLine xmlns:a14="http://schemas.microsoft.com/office/drawing/2010/main" xmlns="" w="9525">
                   <a:solidFill>
                     <a:srgbClr val="000000"/>
                   </a:solidFill>
@@ -2767,7 +2769,7 @@
             </a:ln>
             <a:extLst>
               <a:ext uri="{91240B29-F687-4f45-9708-019B960494DF}">
-                <a14:hiddenLine xmlns="" xmlns:a14="http://schemas.microsoft.com/office/drawing/2010/main" w="9525">
+                <a14:hiddenLine xmlns:a14="http://schemas.microsoft.com/office/drawing/2010/main" xmlns="" w="9525">
                   <a:solidFill>
                     <a:srgbClr val="000000"/>
                   </a:solidFill>
@@ -2857,7 +2859,7 @@
             </a:ln>
             <a:extLst>
               <a:ext uri="{91240B29-F687-4f45-9708-019B960494DF}">
-                <a14:hiddenLine xmlns="" xmlns:a14="http://schemas.microsoft.com/office/drawing/2010/main" w="9525">
+                <a14:hiddenLine xmlns:a14="http://schemas.microsoft.com/office/drawing/2010/main" xmlns="" w="9525">
                   <a:solidFill>
                     <a:srgbClr val="000000"/>
                   </a:solidFill>
@@ -2891,7 +2893,7 @@
             </a:ln>
             <a:extLst>
               <a:ext uri="{91240B29-F687-4f45-9708-019B960494DF}">
-                <a14:hiddenLine xmlns="" xmlns:a14="http://schemas.microsoft.com/office/drawing/2010/main" w="9525">
+                <a14:hiddenLine xmlns:a14="http://schemas.microsoft.com/office/drawing/2010/main" xmlns="" w="9525">
                   <a:solidFill>
                     <a:srgbClr val="000000"/>
                   </a:solidFill>
@@ -2981,7 +2983,7 @@
             </a:ln>
             <a:extLst>
               <a:ext uri="{91240B29-F687-4f45-9708-019B960494DF}">
-                <a14:hiddenLine xmlns="" xmlns:a14="http://schemas.microsoft.com/office/drawing/2010/main" w="9525">
+                <a14:hiddenLine xmlns:a14="http://schemas.microsoft.com/office/drawing/2010/main" xmlns="" w="9525">
                   <a:solidFill>
                     <a:srgbClr val="000000"/>
                   </a:solidFill>
@@ -3043,7 +3045,7 @@
             </a:ln>
             <a:extLst>
               <a:ext uri="{91240B29-F687-4f45-9708-019B960494DF}">
-                <a14:hiddenLine xmlns="" xmlns:a14="http://schemas.microsoft.com/office/drawing/2010/main" w="9525">
+                <a14:hiddenLine xmlns:a14="http://schemas.microsoft.com/office/drawing/2010/main" xmlns="" w="9525">
                   <a:solidFill>
                     <a:srgbClr val="000000"/>
                   </a:solidFill>
@@ -3105,7 +3107,7 @@
             </a:ln>
             <a:extLst>
               <a:ext uri="{91240B29-F687-4f45-9708-019B960494DF}">
-                <a14:hiddenLine xmlns="" xmlns:a14="http://schemas.microsoft.com/office/drawing/2010/main" w="9525">
+                <a14:hiddenLine xmlns:a14="http://schemas.microsoft.com/office/drawing/2010/main" xmlns="" w="9525">
                   <a:solidFill>
                     <a:srgbClr val="000000"/>
                   </a:solidFill>
@@ -3195,7 +3197,7 @@
             </a:ln>
             <a:extLst>
               <a:ext uri="{91240B29-F687-4f45-9708-019B960494DF}">
-                <a14:hiddenLine xmlns="" xmlns:a14="http://schemas.microsoft.com/office/drawing/2010/main" w="9525">
+                <a14:hiddenLine xmlns:a14="http://schemas.microsoft.com/office/drawing/2010/main" xmlns="" w="9525">
                   <a:solidFill>
                     <a:srgbClr val="000000"/>
                   </a:solidFill>
@@ -3263,7 +3265,7 @@
             </a:ln>
             <a:extLst>
               <a:ext uri="{91240B29-F687-4f45-9708-019B960494DF}">
-                <a14:hiddenLine xmlns="" xmlns:a14="http://schemas.microsoft.com/office/drawing/2010/main" w="9525">
+                <a14:hiddenLine xmlns:a14="http://schemas.microsoft.com/office/drawing/2010/main" xmlns="" w="9525">
                   <a:solidFill>
                     <a:srgbClr val="000000"/>
                   </a:solidFill>
@@ -3325,7 +3327,7 @@
             </a:ln>
             <a:extLst>
               <a:ext uri="{91240B29-F687-4f45-9708-019B960494DF}">
-                <a14:hiddenLine xmlns="" xmlns:a14="http://schemas.microsoft.com/office/drawing/2010/main" w="9525">
+                <a14:hiddenLine xmlns:a14="http://schemas.microsoft.com/office/drawing/2010/main" xmlns="" w="9525">
                   <a:solidFill>
                     <a:srgbClr val="000000"/>
                   </a:solidFill>
@@ -3415,7 +3417,7 @@
             </a:ln>
             <a:extLst>
               <a:ext uri="{91240B29-F687-4f45-9708-019B960494DF}">
-                <a14:hiddenLine xmlns="" xmlns:a14="http://schemas.microsoft.com/office/drawing/2010/main" w="9525">
+                <a14:hiddenLine xmlns:a14="http://schemas.microsoft.com/office/drawing/2010/main" xmlns="" w="9525">
                   <a:solidFill>
                     <a:srgbClr val="000000"/>
                   </a:solidFill>
@@ -3477,7 +3479,7 @@
             </a:ln>
             <a:extLst>
               <a:ext uri="{91240B29-F687-4f45-9708-019B960494DF}">
-                <a14:hiddenLine xmlns="" xmlns:a14="http://schemas.microsoft.com/office/drawing/2010/main" w="9525">
+                <a14:hiddenLine xmlns:a14="http://schemas.microsoft.com/office/drawing/2010/main" xmlns="" w="9525">
                   <a:solidFill>
                     <a:srgbClr val="000000"/>
                   </a:solidFill>
@@ -3567,7 +3569,7 @@
             </a:ln>
             <a:extLst>
               <a:ext uri="{91240B29-F687-4f45-9708-019B960494DF}">
-                <a14:hiddenLine xmlns="" xmlns:a14="http://schemas.microsoft.com/office/drawing/2010/main" w="9525">
+                <a14:hiddenLine xmlns:a14="http://schemas.microsoft.com/office/drawing/2010/main" xmlns="" w="9525">
                   <a:solidFill>
                     <a:srgbClr val="000000"/>
                   </a:solidFill>
@@ -3629,7 +3631,7 @@
             </a:ln>
             <a:extLst>
               <a:ext uri="{91240B29-F687-4f45-9708-019B960494DF}">
-                <a14:hiddenLine xmlns="" xmlns:a14="http://schemas.microsoft.com/office/drawing/2010/main" w="9525">
+                <a14:hiddenLine xmlns:a14="http://schemas.microsoft.com/office/drawing/2010/main" xmlns="" w="9525">
                   <a:solidFill>
                     <a:srgbClr val="000000"/>
                   </a:solidFill>
@@ -3719,7 +3721,7 @@
             </a:ln>
             <a:extLst>
               <a:ext uri="{91240B29-F687-4f45-9708-019B960494DF}">
-                <a14:hiddenLine xmlns="" xmlns:a14="http://schemas.microsoft.com/office/drawing/2010/main" w="9525">
+                <a14:hiddenLine xmlns:a14="http://schemas.microsoft.com/office/drawing/2010/main" xmlns="" w="9525">
                   <a:solidFill>
                     <a:srgbClr val="000000"/>
                   </a:solidFill>
@@ -3753,7 +3755,7 @@
             </a:ln>
             <a:extLst>
               <a:ext uri="{91240B29-F687-4f45-9708-019B960494DF}">
-                <a14:hiddenLine xmlns="" xmlns:a14="http://schemas.microsoft.com/office/drawing/2010/main" w="9525">
+                <a14:hiddenLine xmlns:a14="http://schemas.microsoft.com/office/drawing/2010/main" xmlns="" w="9525">
                   <a:solidFill>
                     <a:srgbClr val="000000"/>
                   </a:solidFill>
@@ -3818,7 +3820,7 @@
             </a:ln>
             <a:extLst>
               <a:ext uri="{91240B29-F687-4f45-9708-019B960494DF}">
-                <a14:hiddenLine xmlns="" xmlns:a14="http://schemas.microsoft.com/office/drawing/2010/main" w="9525">
+                <a14:hiddenLine xmlns:a14="http://schemas.microsoft.com/office/drawing/2010/main" xmlns="" w="9525">
                   <a:solidFill>
                     <a:srgbClr val="000000"/>
                   </a:solidFill>
@@ -3908,7 +3910,7 @@
             </a:ln>
             <a:extLst>
               <a:ext uri="{91240B29-F687-4f45-9708-019B960494DF}">
-                <a14:hiddenLine xmlns="" xmlns:a14="http://schemas.microsoft.com/office/drawing/2010/main" w="9525">
+                <a14:hiddenLine xmlns:a14="http://schemas.microsoft.com/office/drawing/2010/main" xmlns="" w="9525">
                   <a:solidFill>
                     <a:srgbClr val="000000"/>
                   </a:solidFill>
@@ -3970,7 +3972,7 @@
             </a:ln>
             <a:extLst>
               <a:ext uri="{91240B29-F687-4f45-9708-019B960494DF}">
-                <a14:hiddenLine xmlns="" xmlns:a14="http://schemas.microsoft.com/office/drawing/2010/main" w="9525">
+                <a14:hiddenLine xmlns:a14="http://schemas.microsoft.com/office/drawing/2010/main" xmlns="" w="9525">
                   <a:solidFill>
                     <a:srgbClr val="000000"/>
                   </a:solidFill>
@@ -4060,7 +4062,7 @@
             </a:ln>
             <a:extLst>
               <a:ext uri="{91240B29-F687-4f45-9708-019B960494DF}">
-                <a14:hiddenLine xmlns="" xmlns:a14="http://schemas.microsoft.com/office/drawing/2010/main" w="9525">
+                <a14:hiddenLine xmlns:a14="http://schemas.microsoft.com/office/drawing/2010/main" xmlns="" w="9525">
                   <a:solidFill>
                     <a:srgbClr val="000000"/>
                   </a:solidFill>
@@ -4150,7 +4152,7 @@
             </a:ln>
             <a:extLst>
               <a:ext uri="{91240B29-F687-4f45-9708-019B960494DF}">
-                <a14:hiddenLine xmlns="" xmlns:a14="http://schemas.microsoft.com/office/drawing/2010/main" w="9525">
+                <a14:hiddenLine xmlns:a14="http://schemas.microsoft.com/office/drawing/2010/main" xmlns="" w="9525">
                   <a:solidFill>
                     <a:srgbClr val="000000"/>
                   </a:solidFill>
@@ -4215,7 +4217,7 @@
             </a:ln>
             <a:extLst>
               <a:ext uri="{91240B29-F687-4f45-9708-019B960494DF}">
-                <a14:hiddenLine xmlns="" xmlns:a14="http://schemas.microsoft.com/office/drawing/2010/main" w="9525">
+                <a14:hiddenLine xmlns:a14="http://schemas.microsoft.com/office/drawing/2010/main" xmlns="" w="9525">
                   <a:solidFill>
                     <a:srgbClr val="000000"/>
                   </a:solidFill>
@@ -4277,7 +4279,7 @@
             </a:ln>
             <a:extLst>
               <a:ext uri="{91240B29-F687-4f45-9708-019B960494DF}">
-                <a14:hiddenLine xmlns="" xmlns:a14="http://schemas.microsoft.com/office/drawing/2010/main" w="9525">
+                <a14:hiddenLine xmlns:a14="http://schemas.microsoft.com/office/drawing/2010/main" xmlns="" w="9525">
                   <a:solidFill>
                     <a:srgbClr val="000000"/>
                   </a:solidFill>
@@ -4367,7 +4369,7 @@
             </a:ln>
             <a:extLst>
               <a:ext uri="{91240B29-F687-4f45-9708-019B960494DF}">
-                <a14:hiddenLine xmlns="" xmlns:a14="http://schemas.microsoft.com/office/drawing/2010/main" w="9525">
+                <a14:hiddenLine xmlns:a14="http://schemas.microsoft.com/office/drawing/2010/main" xmlns="" w="9525">
                   <a:solidFill>
                     <a:srgbClr val="000000"/>
                   </a:solidFill>
@@ -4457,7 +4459,7 @@
             </a:ln>
             <a:extLst>
               <a:ext uri="{91240B29-F687-4f45-9708-019B960494DF}">
-                <a14:hiddenLine xmlns="" xmlns:a14="http://schemas.microsoft.com/office/drawing/2010/main" w="9525">
+                <a14:hiddenLine xmlns:a14="http://schemas.microsoft.com/office/drawing/2010/main" xmlns="" w="9525">
                   <a:solidFill>
                     <a:srgbClr val="000000"/>
                   </a:solidFill>
@@ -4519,7 +4521,7 @@
             </a:ln>
             <a:extLst>
               <a:ext uri="{91240B29-F687-4f45-9708-019B960494DF}">
-                <a14:hiddenLine xmlns="" xmlns:a14="http://schemas.microsoft.com/office/drawing/2010/main" w="9525">
+                <a14:hiddenLine xmlns:a14="http://schemas.microsoft.com/office/drawing/2010/main" xmlns="" w="9525">
                   <a:solidFill>
                     <a:srgbClr val="000000"/>
                   </a:solidFill>
@@ -4639,7 +4641,7 @@
             </a:ln>
             <a:extLst>
               <a:ext uri="{91240B29-F687-4f45-9708-019B960494DF}">
-                <a14:hiddenLine xmlns="" xmlns:a14="http://schemas.microsoft.com/office/drawing/2010/main" w="9525">
+                <a14:hiddenLine xmlns:a14="http://schemas.microsoft.com/office/drawing/2010/main" xmlns="" w="9525">
                   <a:solidFill>
                     <a:srgbClr val="000000"/>
                   </a:solidFill>
@@ -4707,7 +4709,7 @@
             </a:ln>
             <a:extLst>
               <a:ext uri="{91240B29-F687-4f45-9708-019B960494DF}">
-                <a14:hiddenLine xmlns="" xmlns:a14="http://schemas.microsoft.com/office/drawing/2010/main" w="9525">
+                <a14:hiddenLine xmlns:a14="http://schemas.microsoft.com/office/drawing/2010/main" xmlns="" w="9525">
                   <a:solidFill>
                     <a:srgbClr val="000000"/>
                   </a:solidFill>
@@ -4797,7 +4799,7 @@
             </a:ln>
             <a:extLst>
               <a:ext uri="{91240B29-F687-4f45-9708-019B960494DF}">
-                <a14:hiddenLine xmlns="" xmlns:a14="http://schemas.microsoft.com/office/drawing/2010/main" w="9525">
+                <a14:hiddenLine xmlns:a14="http://schemas.microsoft.com/office/drawing/2010/main" xmlns="" w="9525">
                   <a:solidFill>
                     <a:srgbClr val="000000"/>
                   </a:solidFill>
@@ -4937,7 +4939,7 @@
           <a:p>
             <a:fld id="{48A87A34-81AB-432B-8DAE-1953F412C126}" type="datetimeFigureOut">
               <a:rPr lang="en-US" dirty="0"/>
-              <a:t>3/7/2018</a:t>
+              <a:t>3/9/2018</a:t>
             </a:fld>
             <a:endParaRPr lang="en-US"/>
           </a:p>
@@ -5199,7 +5201,7 @@
           <a:p>
             <a:fld id="{48A87A34-81AB-432B-8DAE-1953F412C126}" type="datetimeFigureOut">
               <a:rPr lang="en-US" dirty="0"/>
-              <a:t>3/7/2018</a:t>
+              <a:t>3/9/2018</a:t>
             </a:fld>
             <a:endParaRPr lang="en-US"/>
           </a:p>
@@ -5390,7 +5392,7 @@
           <a:p>
             <a:fld id="{48A87A34-81AB-432B-8DAE-1953F412C126}" type="datetimeFigureOut">
               <a:rPr lang="en-US" dirty="0"/>
-              <a:t>3/7/2018</a:t>
+              <a:t>3/9/2018</a:t>
             </a:fld>
             <a:endParaRPr lang="en-US"/>
           </a:p>
@@ -5648,7 +5650,7 @@
           <a:p>
             <a:fld id="{48A87A34-81AB-432B-8DAE-1953F412C126}" type="datetimeFigureOut">
               <a:rPr lang="en-US" dirty="0"/>
-              <a:t>3/7/2018</a:t>
+              <a:t>3/9/2018</a:t>
             </a:fld>
             <a:endParaRPr lang="en-US"/>
           </a:p>
@@ -6077,7 +6079,7 @@
           <a:p>
             <a:fld id="{48A87A34-81AB-432B-8DAE-1953F412C126}" type="datetimeFigureOut">
               <a:rPr lang="en-US" dirty="0"/>
-              <a:t>3/7/2018</a:t>
+              <a:t>3/9/2018</a:t>
             </a:fld>
             <a:endParaRPr lang="en-US"/>
           </a:p>
@@ -6618,7 +6620,7 @@
           <a:p>
             <a:fld id="{48A87A34-81AB-432B-8DAE-1953F412C126}" type="datetimeFigureOut">
               <a:rPr lang="en-US" dirty="0"/>
-              <a:t>3/7/2018</a:t>
+              <a:t>3/9/2018</a:t>
             </a:fld>
             <a:endParaRPr lang="en-US"/>
           </a:p>
@@ -7333,7 +7335,7 @@
           <a:p>
             <a:fld id="{48A87A34-81AB-432B-8DAE-1953F412C126}" type="datetimeFigureOut">
               <a:rPr lang="en-US" dirty="0"/>
-              <a:t>3/7/2018</a:t>
+              <a:t>3/9/2018</a:t>
             </a:fld>
             <a:endParaRPr lang="en-US"/>
           </a:p>
@@ -7498,7 +7500,7 @@
           <a:p>
             <a:fld id="{48A87A34-81AB-432B-8DAE-1953F412C126}" type="datetimeFigureOut">
               <a:rPr lang="en-US" dirty="0"/>
-              <a:t>3/7/2018</a:t>
+              <a:t>3/9/2018</a:t>
             </a:fld>
             <a:endParaRPr lang="en-US"/>
           </a:p>
@@ -7673,7 +7675,7 @@
           <a:p>
             <a:fld id="{48A87A34-81AB-432B-8DAE-1953F412C126}" type="datetimeFigureOut">
               <a:rPr lang="en-US" dirty="0"/>
-              <a:t>3/7/2018</a:t>
+              <a:t>3/9/2018</a:t>
             </a:fld>
             <a:endParaRPr lang="en-US"/>
           </a:p>
@@ -7838,7 +7840,7 @@
           <a:p>
             <a:fld id="{48A87A34-81AB-432B-8DAE-1953F412C126}" type="datetimeFigureOut">
               <a:rPr lang="en-US" dirty="0"/>
-              <a:t>3/7/2018</a:t>
+              <a:t>3/9/2018</a:t>
             </a:fld>
             <a:endParaRPr lang="en-US"/>
           </a:p>
@@ -8083,7 +8085,7 @@
           <a:p>
             <a:fld id="{48A87A34-81AB-432B-8DAE-1953F412C126}" type="datetimeFigureOut">
               <a:rPr lang="en-US" dirty="0"/>
-              <a:t>3/7/2018</a:t>
+              <a:t>3/9/2018</a:t>
             </a:fld>
             <a:endParaRPr lang="en-US"/>
           </a:p>
@@ -8310,7 +8312,7 @@
           <a:p>
             <a:fld id="{48A87A34-81AB-432B-8DAE-1953F412C126}" type="datetimeFigureOut">
               <a:rPr lang="en-US" dirty="0"/>
-              <a:t>3/7/2018</a:t>
+              <a:t>3/9/2018</a:t>
             </a:fld>
             <a:endParaRPr lang="en-US"/>
           </a:p>
@@ -8686,7 +8688,7 @@
           <a:p>
             <a:fld id="{48A87A34-81AB-432B-8DAE-1953F412C126}" type="datetimeFigureOut">
               <a:rPr lang="en-US" dirty="0"/>
-              <a:t>3/7/2018</a:t>
+              <a:t>3/9/2018</a:t>
             </a:fld>
             <a:endParaRPr lang="en-US"/>
           </a:p>
@@ -8799,7 +8801,7 @@
           <a:p>
             <a:fld id="{48A87A34-81AB-432B-8DAE-1953F412C126}" type="datetimeFigureOut">
               <a:rPr lang="en-US" dirty="0"/>
-              <a:t>3/7/2018</a:t>
+              <a:t>3/9/2018</a:t>
             </a:fld>
             <a:endParaRPr lang="en-US"/>
           </a:p>
@@ -8889,7 +8891,7 @@
           <a:p>
             <a:fld id="{48A87A34-81AB-432B-8DAE-1953F412C126}" type="datetimeFigureOut">
               <a:rPr lang="en-US" dirty="0"/>
-              <a:t>3/7/2018</a:t>
+              <a:t>3/9/2018</a:t>
             </a:fld>
             <a:endParaRPr lang="en-US"/>
           </a:p>
@@ -9133,7 +9135,7 @@
           <a:p>
             <a:fld id="{48A87A34-81AB-432B-8DAE-1953F412C126}" type="datetimeFigureOut">
               <a:rPr lang="en-US" dirty="0"/>
-              <a:t>3/7/2018</a:t>
+              <a:t>3/9/2018</a:t>
             </a:fld>
             <a:endParaRPr lang="en-US"/>
           </a:p>
@@ -9408,7 +9410,7 @@
           <a:p>
             <a:fld id="{48A87A34-81AB-432B-8DAE-1953F412C126}" type="datetimeFigureOut">
               <a:rPr lang="en-US" dirty="0"/>
-              <a:t>3/7/2018</a:t>
+              <a:t>3/9/2018</a:t>
             </a:fld>
             <a:endParaRPr lang="en-US"/>
           </a:p>
@@ -9519,7 +9521,7 @@
           <a:noFill/>
           <a:extLst>
             <a:ext uri="{909E8E84-426E-40dd-AFC4-6F175D3DCCD1}">
-              <a14:hiddenFill xmlns="" xmlns:a14="http://schemas.microsoft.com/office/drawing/2010/main">
+              <a14:hiddenFill xmlns:a14="http://schemas.microsoft.com/office/drawing/2010/main" xmlns="">
                 <a:solidFill>
                   <a:srgbClr val="FFFFFF"/>
                 </a:solidFill>
@@ -9593,7 +9595,7 @@
               </a:ln>
               <a:extLst>
                 <a:ext uri="{91240B29-F687-4f45-9708-019B960494DF}">
-                  <a14:hiddenLine xmlns="" xmlns:a14="http://schemas.microsoft.com/office/drawing/2010/main" w="9525">
+                  <a14:hiddenLine xmlns:a14="http://schemas.microsoft.com/office/drawing/2010/main" xmlns="" w="9525">
                     <a:solidFill>
                       <a:srgbClr val="000000"/>
                     </a:solidFill>
@@ -9683,7 +9685,7 @@
               </a:ln>
               <a:extLst>
                 <a:ext uri="{91240B29-F687-4f45-9708-019B960494DF}">
-                  <a14:hiddenLine xmlns="" xmlns:a14="http://schemas.microsoft.com/office/drawing/2010/main" w="9525">
+                  <a14:hiddenLine xmlns:a14="http://schemas.microsoft.com/office/drawing/2010/main" xmlns="" w="9525">
                     <a:solidFill>
                       <a:srgbClr val="000000"/>
                     </a:solidFill>
@@ -9773,7 +9775,7 @@
               </a:ln>
               <a:extLst>
                 <a:ext uri="{91240B29-F687-4f45-9708-019B960494DF}">
-                  <a14:hiddenLine xmlns="" xmlns:a14="http://schemas.microsoft.com/office/drawing/2010/main" w="9525">
+                  <a14:hiddenLine xmlns:a14="http://schemas.microsoft.com/office/drawing/2010/main" xmlns="" w="9525">
                     <a:solidFill>
                       <a:srgbClr val="000000"/>
                     </a:solidFill>
@@ -9835,7 +9837,7 @@
               </a:ln>
               <a:extLst>
                 <a:ext uri="{91240B29-F687-4f45-9708-019B960494DF}">
-                  <a14:hiddenLine xmlns="" xmlns:a14="http://schemas.microsoft.com/office/drawing/2010/main" w="9525">
+                  <a14:hiddenLine xmlns:a14="http://schemas.microsoft.com/office/drawing/2010/main" xmlns="" w="9525">
                     <a:solidFill>
                       <a:srgbClr val="000000"/>
                     </a:solidFill>
@@ -9925,7 +9927,7 @@
               </a:ln>
               <a:extLst>
                 <a:ext uri="{91240B29-F687-4f45-9708-019B960494DF}">
-                  <a14:hiddenLine xmlns="" xmlns:a14="http://schemas.microsoft.com/office/drawing/2010/main" w="9525">
+                  <a14:hiddenLine xmlns:a14="http://schemas.microsoft.com/office/drawing/2010/main" xmlns="" w="9525">
                     <a:solidFill>
                       <a:srgbClr val="000000"/>
                     </a:solidFill>
@@ -9987,7 +9989,7 @@
               </a:ln>
               <a:extLst>
                 <a:ext uri="{91240B29-F687-4f45-9708-019B960494DF}">
-                  <a14:hiddenLine xmlns="" xmlns:a14="http://schemas.microsoft.com/office/drawing/2010/main" w="9525">
+                  <a14:hiddenLine xmlns:a14="http://schemas.microsoft.com/office/drawing/2010/main" xmlns="" w="9525">
                     <a:solidFill>
                       <a:srgbClr val="000000"/>
                     </a:solidFill>
@@ -10049,7 +10051,7 @@
               </a:ln>
               <a:extLst>
                 <a:ext uri="{91240B29-F687-4f45-9708-019B960494DF}">
-                  <a14:hiddenLine xmlns="" xmlns:a14="http://schemas.microsoft.com/office/drawing/2010/main" w="9525">
+                  <a14:hiddenLine xmlns:a14="http://schemas.microsoft.com/office/drawing/2010/main" xmlns="" w="9525">
                     <a:solidFill>
                       <a:srgbClr val="000000"/>
                     </a:solidFill>
@@ -10139,7 +10141,7 @@
               </a:ln>
               <a:extLst>
                 <a:ext uri="{91240B29-F687-4f45-9708-019B960494DF}">
-                  <a14:hiddenLine xmlns="" xmlns:a14="http://schemas.microsoft.com/office/drawing/2010/main" w="9525">
+                  <a14:hiddenLine xmlns:a14="http://schemas.microsoft.com/office/drawing/2010/main" xmlns="" w="9525">
                     <a:solidFill>
                       <a:srgbClr val="000000"/>
                     </a:solidFill>
@@ -10229,7 +10231,7 @@
               </a:ln>
               <a:extLst>
                 <a:ext uri="{91240B29-F687-4f45-9708-019B960494DF}">
-                  <a14:hiddenLine xmlns="" xmlns:a14="http://schemas.microsoft.com/office/drawing/2010/main" w="9525">
+                  <a14:hiddenLine xmlns:a14="http://schemas.microsoft.com/office/drawing/2010/main" xmlns="" w="9525">
                     <a:solidFill>
                       <a:srgbClr val="000000"/>
                     </a:solidFill>
@@ -10291,7 +10293,7 @@
               </a:ln>
               <a:extLst>
                 <a:ext uri="{91240B29-F687-4f45-9708-019B960494DF}">
-                  <a14:hiddenLine xmlns="" xmlns:a14="http://schemas.microsoft.com/office/drawing/2010/main" w="9525">
+                  <a14:hiddenLine xmlns:a14="http://schemas.microsoft.com/office/drawing/2010/main" xmlns="" w="9525">
                     <a:solidFill>
                       <a:srgbClr val="000000"/>
                     </a:solidFill>
@@ -10401,7 +10403,7 @@
               </a:ln>
               <a:extLst>
                 <a:ext uri="{91240B29-F687-4f45-9708-019B960494DF}">
-                  <a14:hiddenLine xmlns="" xmlns:a14="http://schemas.microsoft.com/office/drawing/2010/main" w="9525">
+                  <a14:hiddenLine xmlns:a14="http://schemas.microsoft.com/office/drawing/2010/main" xmlns="" w="9525">
                     <a:solidFill>
                       <a:srgbClr val="000000"/>
                     </a:solidFill>
@@ -10485,7 +10487,7 @@
               </a:ln>
               <a:extLst>
                 <a:ext uri="{91240B29-F687-4f45-9708-019B960494DF}">
-                  <a14:hiddenLine xmlns="" xmlns:a14="http://schemas.microsoft.com/office/drawing/2010/main" w="9525">
+                  <a14:hiddenLine xmlns:a14="http://schemas.microsoft.com/office/drawing/2010/main" xmlns="" w="9525">
                     <a:solidFill>
                       <a:srgbClr val="000000"/>
                     </a:solidFill>
@@ -10547,7 +10549,7 @@
               </a:ln>
               <a:extLst>
                 <a:ext uri="{91240B29-F687-4f45-9708-019B960494DF}">
-                  <a14:hiddenLine xmlns="" xmlns:a14="http://schemas.microsoft.com/office/drawing/2010/main" w="9525">
+                  <a14:hiddenLine xmlns:a14="http://schemas.microsoft.com/office/drawing/2010/main" xmlns="" w="9525">
                     <a:solidFill>
                       <a:srgbClr val="000000"/>
                     </a:solidFill>
@@ -10609,7 +10611,7 @@
               </a:ln>
               <a:extLst>
                 <a:ext uri="{91240B29-F687-4f45-9708-019B960494DF}">
-                  <a14:hiddenLine xmlns="" xmlns:a14="http://schemas.microsoft.com/office/drawing/2010/main" w="9525">
+                  <a14:hiddenLine xmlns:a14="http://schemas.microsoft.com/office/drawing/2010/main" xmlns="" w="9525">
                     <a:solidFill>
                       <a:srgbClr val="000000"/>
                     </a:solidFill>
@@ -10699,7 +10701,7 @@
               </a:ln>
               <a:extLst>
                 <a:ext uri="{91240B29-F687-4f45-9708-019B960494DF}">
-                  <a14:hiddenLine xmlns="" xmlns:a14="http://schemas.microsoft.com/office/drawing/2010/main" w="9525">
+                  <a14:hiddenLine xmlns:a14="http://schemas.microsoft.com/office/drawing/2010/main" xmlns="" w="9525">
                     <a:solidFill>
                       <a:srgbClr val="000000"/>
                     </a:solidFill>
@@ -10733,7 +10735,7 @@
               </a:ln>
               <a:extLst>
                 <a:ext uri="{91240B29-F687-4f45-9708-019B960494DF}">
-                  <a14:hiddenLine xmlns="" xmlns:a14="http://schemas.microsoft.com/office/drawing/2010/main" w="9525">
+                  <a14:hiddenLine xmlns:a14="http://schemas.microsoft.com/office/drawing/2010/main" xmlns="" w="9525">
                     <a:solidFill>
                       <a:srgbClr val="000000"/>
                     </a:solidFill>
@@ -10798,7 +10800,7 @@
               </a:ln>
               <a:extLst>
                 <a:ext uri="{91240B29-F687-4f45-9708-019B960494DF}">
-                  <a14:hiddenLine xmlns="" xmlns:a14="http://schemas.microsoft.com/office/drawing/2010/main" w="9525">
+                  <a14:hiddenLine xmlns:a14="http://schemas.microsoft.com/office/drawing/2010/main" xmlns="" w="9525">
                     <a:solidFill>
                       <a:srgbClr val="000000"/>
                     </a:solidFill>
@@ -10888,7 +10890,7 @@
               </a:ln>
               <a:extLst>
                 <a:ext uri="{91240B29-F687-4f45-9708-019B960494DF}">
-                  <a14:hiddenLine xmlns="" xmlns:a14="http://schemas.microsoft.com/office/drawing/2010/main" w="9525">
+                  <a14:hiddenLine xmlns:a14="http://schemas.microsoft.com/office/drawing/2010/main" xmlns="" w="9525">
                     <a:solidFill>
                       <a:srgbClr val="000000"/>
                     </a:solidFill>
@@ -10950,7 +10952,7 @@
               </a:ln>
               <a:extLst>
                 <a:ext uri="{91240B29-F687-4f45-9708-019B960494DF}">
-                  <a14:hiddenLine xmlns="" xmlns:a14="http://schemas.microsoft.com/office/drawing/2010/main" w="9525">
+                  <a14:hiddenLine xmlns:a14="http://schemas.microsoft.com/office/drawing/2010/main" xmlns="" w="9525">
                     <a:solidFill>
                       <a:srgbClr val="000000"/>
                     </a:solidFill>
@@ -11040,7 +11042,7 @@
               </a:ln>
               <a:extLst>
                 <a:ext uri="{91240B29-F687-4f45-9708-019B960494DF}">
-                  <a14:hiddenLine xmlns="" xmlns:a14="http://schemas.microsoft.com/office/drawing/2010/main" w="9525">
+                  <a14:hiddenLine xmlns:a14="http://schemas.microsoft.com/office/drawing/2010/main" xmlns="" w="9525">
                     <a:solidFill>
                       <a:srgbClr val="000000"/>
                     </a:solidFill>
@@ -11105,7 +11107,7 @@
               </a:ln>
               <a:extLst>
                 <a:ext uri="{91240B29-F687-4f45-9708-019B960494DF}">
-                  <a14:hiddenLine xmlns="" xmlns:a14="http://schemas.microsoft.com/office/drawing/2010/main" w="9525">
+                  <a14:hiddenLine xmlns:a14="http://schemas.microsoft.com/office/drawing/2010/main" xmlns="" w="9525">
                     <a:solidFill>
                       <a:srgbClr val="000000"/>
                     </a:solidFill>
@@ -11167,7 +11169,7 @@
               </a:ln>
               <a:extLst>
                 <a:ext uri="{91240B29-F687-4f45-9708-019B960494DF}">
-                  <a14:hiddenLine xmlns="" xmlns:a14="http://schemas.microsoft.com/office/drawing/2010/main" w="9525">
+                  <a14:hiddenLine xmlns:a14="http://schemas.microsoft.com/office/drawing/2010/main" xmlns="" w="9525">
                     <a:solidFill>
                       <a:srgbClr val="000000"/>
                     </a:solidFill>
@@ -11257,7 +11259,7 @@
               </a:ln>
               <a:extLst>
                 <a:ext uri="{91240B29-F687-4f45-9708-019B960494DF}">
-                  <a14:hiddenLine xmlns="" xmlns:a14="http://schemas.microsoft.com/office/drawing/2010/main" w="9525">
+                  <a14:hiddenLine xmlns:a14="http://schemas.microsoft.com/office/drawing/2010/main" xmlns="" w="9525">
                     <a:solidFill>
                       <a:srgbClr val="000000"/>
                     </a:solidFill>
@@ -11347,7 +11349,7 @@
               </a:ln>
               <a:extLst>
                 <a:ext uri="{91240B29-F687-4f45-9708-019B960494DF}">
-                  <a14:hiddenLine xmlns="" xmlns:a14="http://schemas.microsoft.com/office/drawing/2010/main" w="9525">
+                  <a14:hiddenLine xmlns:a14="http://schemas.microsoft.com/office/drawing/2010/main" xmlns="" w="9525">
                     <a:solidFill>
                       <a:srgbClr val="000000"/>
                     </a:solidFill>
@@ -11412,7 +11414,7 @@
               </a:ln>
               <a:extLst>
                 <a:ext uri="{91240B29-F687-4f45-9708-019B960494DF}">
-                  <a14:hiddenLine xmlns="" xmlns:a14="http://schemas.microsoft.com/office/drawing/2010/main" w="9525">
+                  <a14:hiddenLine xmlns:a14="http://schemas.microsoft.com/office/drawing/2010/main" xmlns="" w="9525">
                     <a:solidFill>
                       <a:srgbClr val="000000"/>
                     </a:solidFill>
@@ -11532,7 +11534,7 @@
               </a:ln>
               <a:extLst>
                 <a:ext uri="{91240B29-F687-4f45-9708-019B960494DF}">
-                  <a14:hiddenLine xmlns="" xmlns:a14="http://schemas.microsoft.com/office/drawing/2010/main" w="9525">
+                  <a14:hiddenLine xmlns:a14="http://schemas.microsoft.com/office/drawing/2010/main" xmlns="" w="9525">
                     <a:solidFill>
                       <a:srgbClr val="000000"/>
                     </a:solidFill>
@@ -11630,7 +11632,7 @@
               </a:ln>
               <a:extLst>
                 <a:ext uri="{91240B29-F687-4f45-9708-019B960494DF}">
-                  <a14:hiddenLine xmlns="" xmlns:a14="http://schemas.microsoft.com/office/drawing/2010/main" w="9525">
+                  <a14:hiddenLine xmlns:a14="http://schemas.microsoft.com/office/drawing/2010/main" xmlns="" w="9525">
                     <a:solidFill>
                       <a:srgbClr val="000000"/>
                     </a:solidFill>
@@ -11745,7 +11747,7 @@
               </a:ln>
               <a:extLst>
                 <a:ext uri="{91240B29-F687-4f45-9708-019B960494DF}">
-                  <a14:hiddenLine xmlns="" xmlns:a14="http://schemas.microsoft.com/office/drawing/2010/main" w="9525">
+                  <a14:hiddenLine xmlns:a14="http://schemas.microsoft.com/office/drawing/2010/main" xmlns="" w="9525">
                     <a:solidFill>
                       <a:srgbClr val="000000"/>
                     </a:solidFill>
@@ -11835,7 +11837,7 @@
               </a:ln>
               <a:extLst>
                 <a:ext uri="{91240B29-F687-4f45-9708-019B960494DF}">
-                  <a14:hiddenLine xmlns="" xmlns:a14="http://schemas.microsoft.com/office/drawing/2010/main" w="9525">
+                  <a14:hiddenLine xmlns:a14="http://schemas.microsoft.com/office/drawing/2010/main" xmlns="" w="9525">
                     <a:solidFill>
                       <a:srgbClr val="000000"/>
                     </a:solidFill>
@@ -11900,7 +11902,7 @@
               </a:ln>
               <a:extLst>
                 <a:ext uri="{91240B29-F687-4f45-9708-019B960494DF}">
-                  <a14:hiddenLine xmlns="" xmlns:a14="http://schemas.microsoft.com/office/drawing/2010/main" w="9525">
+                  <a14:hiddenLine xmlns:a14="http://schemas.microsoft.com/office/drawing/2010/main" xmlns="" w="9525">
                     <a:solidFill>
                       <a:srgbClr val="000000"/>
                     </a:solidFill>
@@ -11990,7 +11992,7 @@
               </a:ln>
               <a:extLst>
                 <a:ext uri="{91240B29-F687-4f45-9708-019B960494DF}">
-                  <a14:hiddenLine xmlns="" xmlns:a14="http://schemas.microsoft.com/office/drawing/2010/main" w="9525">
+                  <a14:hiddenLine xmlns:a14="http://schemas.microsoft.com/office/drawing/2010/main" xmlns="" w="9525">
                     <a:solidFill>
                       <a:srgbClr val="000000"/>
                     </a:solidFill>
@@ -12058,7 +12060,7 @@
               </a:ln>
               <a:extLst>
                 <a:ext uri="{91240B29-F687-4f45-9708-019B960494DF}">
-                  <a14:hiddenLine xmlns="" xmlns:a14="http://schemas.microsoft.com/office/drawing/2010/main" w="9525">
+                  <a14:hiddenLine xmlns:a14="http://schemas.microsoft.com/office/drawing/2010/main" xmlns="" w="9525">
                     <a:solidFill>
                       <a:srgbClr val="000000"/>
                     </a:solidFill>
@@ -12148,7 +12150,7 @@
               </a:ln>
               <a:extLst>
                 <a:ext uri="{91240B29-F687-4f45-9708-019B960494DF}">
-                  <a14:hiddenLine xmlns="" xmlns:a14="http://schemas.microsoft.com/office/drawing/2010/main" w="9525">
+                  <a14:hiddenLine xmlns:a14="http://schemas.microsoft.com/office/drawing/2010/main" xmlns="" w="9525">
                     <a:solidFill>
                       <a:srgbClr val="000000"/>
                     </a:solidFill>
@@ -12216,7 +12218,7 @@
               </a:ln>
               <a:extLst>
                 <a:ext uri="{91240B29-F687-4f45-9708-019B960494DF}">
-                  <a14:hiddenLine xmlns="" xmlns:a14="http://schemas.microsoft.com/office/drawing/2010/main" w="9525">
+                  <a14:hiddenLine xmlns:a14="http://schemas.microsoft.com/office/drawing/2010/main" xmlns="" w="9525">
                     <a:solidFill>
                       <a:srgbClr val="000000"/>
                     </a:solidFill>
@@ -12306,7 +12308,7 @@
               </a:ln>
               <a:extLst>
                 <a:ext uri="{91240B29-F687-4f45-9708-019B960494DF}">
-                  <a14:hiddenLine xmlns="" xmlns:a14="http://schemas.microsoft.com/office/drawing/2010/main" w="9525">
+                  <a14:hiddenLine xmlns:a14="http://schemas.microsoft.com/office/drawing/2010/main" xmlns="" w="9525">
                     <a:solidFill>
                       <a:srgbClr val="000000"/>
                     </a:solidFill>
@@ -12340,7 +12342,7 @@
               </a:ln>
               <a:extLst>
                 <a:ext uri="{91240B29-F687-4f45-9708-019B960494DF}">
-                  <a14:hiddenLine xmlns="" xmlns:a14="http://schemas.microsoft.com/office/drawing/2010/main" w="9525">
+                  <a14:hiddenLine xmlns:a14="http://schemas.microsoft.com/office/drawing/2010/main" xmlns="" w="9525">
                     <a:solidFill>
                       <a:srgbClr val="000000"/>
                     </a:solidFill>
@@ -12481,7 +12483,7 @@
             <a:fld id="{48A87A34-81AB-432B-8DAE-1953F412C126}" type="datetimeFigureOut">
               <a:rPr lang="en-US" dirty="0"/>
               <a:pPr/>
-              <a:t>3/7/2018</a:t>
+              <a:t>3/9/2018</a:t>
             </a:fld>
             <a:endParaRPr lang="en-US"/>
           </a:p>
@@ -12997,6 +12999,155 @@
 </p:sld>
 </file>
 
+<file path=ppt/slides/slide10.xml><?xml version="1.0" encoding="utf-8"?>
+<p:sld xmlns:a="http://schemas.openxmlformats.org/drawingml/2006/main" xmlns:r="http://schemas.openxmlformats.org/officeDocument/2006/relationships" xmlns:p="http://schemas.openxmlformats.org/presentationml/2006/main">
+  <p:cSld>
+    <p:spTree>
+      <p:nvGrpSpPr>
+        <p:cNvPr id="1" name=""/>
+        <p:cNvGrpSpPr/>
+        <p:nvPr/>
+      </p:nvGrpSpPr>
+      <p:grpSpPr>
+        <a:xfrm>
+          <a:off x="0" y="0"/>
+          <a:ext cx="0" cy="0"/>
+          <a:chOff x="0" y="0"/>
+          <a:chExt cx="0" cy="0"/>
+        </a:xfrm>
+      </p:grpSpPr>
+      <p:sp>
+        <p:nvSpPr>
+          <p:cNvPr id="6" name="Suorakulmio 5">
+            <a:extLst>
+              <a:ext uri="{FF2B5EF4-FFF2-40B4-BE49-F238E27FC236}">
+                <a16:creationId xmlns:a16="http://schemas.microsoft.com/office/drawing/2014/main" id="{89A7C95D-818A-4FF6-886E-8C41CC91E8DD}"/>
+              </a:ext>
+            </a:extLst>
+          </p:cNvPr>
+          <p:cNvSpPr/>
+          <p:nvPr/>
+        </p:nvSpPr>
+        <p:spPr>
+          <a:xfrm>
+            <a:off x="731520" y="285135"/>
+            <a:ext cx="10728960" cy="6203473"/>
+          </a:xfrm>
+          <a:prstGeom prst="rect">
+            <a:avLst/>
+          </a:prstGeom>
+          <a:solidFill>
+            <a:srgbClr val="3C4FDE">
+              <a:alpha val="20000"/>
+            </a:srgbClr>
+          </a:solidFill>
+        </p:spPr>
+        <p:style>
+          <a:lnRef idx="2">
+            <a:schemeClr val="accent1">
+              <a:shade val="50000"/>
+            </a:schemeClr>
+          </a:lnRef>
+          <a:fillRef idx="1">
+            <a:schemeClr val="accent1"/>
+          </a:fillRef>
+          <a:effectRef idx="0">
+            <a:schemeClr val="accent1"/>
+          </a:effectRef>
+          <a:fontRef idx="minor">
+            <a:schemeClr val="lt1"/>
+          </a:fontRef>
+        </p:style>
+        <p:txBody>
+          <a:bodyPr rtlCol="0" anchor="ctr"/>
+          <a:lstStyle/>
+          <a:p>
+            <a:pPr algn="ctr"/>
+            <a:endParaRPr lang="en-US"/>
+          </a:p>
+        </p:txBody>
+      </p:sp>
+      <p:sp>
+        <p:nvSpPr>
+          <p:cNvPr id="2" name="Otsikko 1">
+            <a:extLst>
+              <a:ext uri="{FF2B5EF4-FFF2-40B4-BE49-F238E27FC236}">
+                <a16:creationId xmlns:a16="http://schemas.microsoft.com/office/drawing/2014/main" id="{081D4C4A-2B07-4017-AEA4-7DD08E6CC82A}"/>
+              </a:ext>
+            </a:extLst>
+          </p:cNvPr>
+          <p:cNvSpPr>
+            <a:spLocks noGrp="1"/>
+          </p:cNvSpPr>
+          <p:nvPr>
+            <p:ph type="title"/>
+          </p:nvPr>
+        </p:nvSpPr>
+        <p:spPr>
+          <a:xfrm>
+            <a:off x="1141412" y="0"/>
+            <a:ext cx="11050588" cy="1478570"/>
+          </a:xfrm>
+        </p:spPr>
+        <p:txBody>
+          <a:bodyPr/>
+          <a:lstStyle/>
+          <a:p>
+            <a:r>
+              <a:rPr lang="fi-FI" dirty="0"/>
+              <a:t>Sprint 4  </a:t>
+            </a:r>
+            <a:r>
+              <a:rPr lang="fi-FI" sz="2000" dirty="0"/>
+              <a:t>(1.3.-10.3.2018 - Valmistui aikataulussa)</a:t>
+            </a:r>
+            <a:endParaRPr lang="en-US" sz="2000" dirty="0"/>
+          </a:p>
+        </p:txBody>
+      </p:sp>
+      <p:pic>
+        <p:nvPicPr>
+          <p:cNvPr id="5" name="Kuva 4">
+            <a:extLst>
+              <a:ext uri="{FF2B5EF4-FFF2-40B4-BE49-F238E27FC236}">
+                <a16:creationId xmlns:a16="http://schemas.microsoft.com/office/drawing/2014/main" id="{3E6ED95E-1AD7-49BB-92B6-6F702E4227C5}"/>
+              </a:ext>
+            </a:extLst>
+          </p:cNvPr>
+          <p:cNvPicPr>
+            <a:picLocks noChangeAspect="1"/>
+          </p:cNvPicPr>
+          <p:nvPr/>
+        </p:nvPicPr>
+        <p:blipFill>
+          <a:blip r:embed="rId2"/>
+          <a:stretch>
+            <a:fillRect/>
+          </a:stretch>
+        </p:blipFill>
+        <p:spPr>
+          <a:xfrm>
+            <a:off x="900752" y="859809"/>
+            <a:ext cx="10149836" cy="5363569"/>
+          </a:xfrm>
+          <a:prstGeom prst="rect">
+            <a:avLst/>
+          </a:prstGeom>
+        </p:spPr>
+      </p:pic>
+    </p:spTree>
+    <p:extLst>
+      <p:ext uri="{BB962C8B-B14F-4D97-AF65-F5344CB8AC3E}">
+        <p14:creationId xmlns:p14="http://schemas.microsoft.com/office/powerpoint/2010/main" val="4168487422"/>
+      </p:ext>
+    </p:extLst>
+  </p:cSld>
+  <p:clrMapOvr>
+    <a:masterClrMapping/>
+  </p:clrMapOvr>
+</p:sld>
+</file>
+
 <file path=ppt/slides/slide2.xml><?xml version="1.0" encoding="utf-8"?>
 <p:sld xmlns:a="http://schemas.openxmlformats.org/drawingml/2006/main" xmlns:r="http://schemas.openxmlformats.org/officeDocument/2006/relationships" xmlns:p="http://schemas.openxmlformats.org/presentationml/2006/main">
   <p:cSld>
@@ -14194,7 +14345,7 @@
             </a:r>
             <a:r>
               <a:rPr lang="fi-FI" sz="2000" dirty="0"/>
-              <a:t>(1.3.-10.3.2018)</a:t>
+              <a:t>(1.3.-10.3.2018 – valmistui aikataulussa)</a:t>
             </a:r>
             <a:endParaRPr lang="en-US" sz="2000" dirty="0"/>
           </a:p>
@@ -14219,7 +14370,7 @@
         <p:spPr/>
         <p:txBody>
           <a:bodyPr vert="horz" lIns="91440" tIns="45720" rIns="91440" bIns="45720" rtlCol="0" anchor="t">
-            <a:normAutofit lnSpcReduction="10000"/>
+            <a:normAutofit/>
           </a:bodyPr>
           <a:lstStyle/>
           <a:p>
@@ -14272,21 +14423,16 @@
             <a:endParaRPr lang="en-US" dirty="0"/>
           </a:p>
           <a:p>
-            <a:pPr lvl="1">
-              <a:buFont typeface="Arial"/>
-            </a:pPr>
-            <a:r>
-              <a:rPr lang="fi-FI" dirty="0"/>
-              <a:t>Haku järjestettynä lämpötilojen mukaan</a:t>
-            </a:r>
-          </a:p>
-          <a:p>
             <a:pPr>
               <a:buFont typeface="Arial"/>
             </a:pPr>
             <a:r>
+              <a:rPr lang="fi-FI"/>
+              <a:t>Wiki </a:t>
+            </a:r>
+            <a:r>
               <a:rPr lang="fi-FI" dirty="0"/>
-              <a:t>Wiki (dokumentointi)							</a:t>
+              <a:t>(dokumentointi)							</a:t>
             </a:r>
             <a:r>
               <a:rPr lang="fi-FI" dirty="0">
@@ -14305,7 +14451,7 @@
               <a:t>Ohjelmistotestaus							</a:t>
             </a:r>
             <a:r>
-              <a:rPr lang="fi-FI">
+              <a:rPr lang="fi-FI" dirty="0">
                 <a:sym typeface="Wingdings" panose="05000000000000000000" pitchFamily="2" charset="2"/>
               </a:rPr>
               <a:t> Valmis</a:t>
